--- a/CPU Scheduler presentation.pptx
+++ b/CPU Scheduler presentation.pptx
@@ -127,8 +127,7 @@
 <file path=ppt/revisionInfo.xml><?xml version="1.0" encoding="utf-8"?>
 <p1510:revInfo xmlns:a="http://schemas.openxmlformats.org/drawingml/2006/main" xmlns:r="http://schemas.openxmlformats.org/officeDocument/2006/relationships" xmlns:p1510="http://schemas.microsoft.com/office/powerpoint/2015/10/main">
   <p1510:revLst>
-    <p1510:client id="{6F0D86E8-E24B-A06A-B0B6-5CD8F2761008}" v="173" dt="2024-11-15T16:16:01.517"/>
-    <p1510:client id="{A40AAADB-FFBD-73DE-2636-FFAE3334516F}" v="124" dt="2024-11-16T19:33:11.438"/>
+    <p1510:client id="{A40AAADB-FFBD-73DE-2636-FFAE3334516F}" v="136" dt="2024-11-17T00:31:47.037"/>
     <p1510:client id="{FCBEA82D-5A05-4C37-841C-90E2EB43B36B}" v="837" dt="2024-11-17T00:19:00.506"/>
   </p1510:revLst>
 </p1510:revInfo>
@@ -137,722 +136,51 @@
 <file path=ppt/changesInfos/changesInfo1.xml><?xml version="1.0" encoding="utf-8"?>
 <pc:chgInfo xmlns:a="http://schemas.openxmlformats.org/drawingml/2006/main" xmlns:r="http://schemas.openxmlformats.org/officeDocument/2006/relationships" xmlns:ac="http://schemas.microsoft.com/office/drawing/2013/main/command" xmlns:pc="http://schemas.microsoft.com/office/powerpoint/2013/main/command">
   <pc:docChgLst>
-    <pc:chgData name="Rendero, Dominic V" userId="S::dominic.rendero@uconn.edu::6d21d9c4-1e14-476c-8422-cfe29e02369b" providerId="AD" clId="Web-{389AD6E2-AFE2-69AC-561A-62F38484A6AA}"/>
+    <pc:chgData name="Jarvi, Rachel C" userId="S::rachel.jarvi@uconn.edu::5f94c26e-36bc-415b-abfb-1d0877c450ca" providerId="AD" clId="Web-{BF452B15-AB70-920A-AA57-8425BA5FDA28}"/>
     <pc:docChg chg="modSld">
-      <pc:chgData name="Rendero, Dominic V" userId="S::dominic.rendero@uconn.edu::6d21d9c4-1e14-476c-8422-cfe29e02369b" providerId="AD" clId="Web-{389AD6E2-AFE2-69AC-561A-62F38484A6AA}" dt="2024-11-12T18:57:40.228" v="134" actId="20577"/>
+      <pc:chgData name="Jarvi, Rachel C" userId="S::rachel.jarvi@uconn.edu::5f94c26e-36bc-415b-abfb-1d0877c450ca" providerId="AD" clId="Web-{BF452B15-AB70-920A-AA57-8425BA5FDA28}" dt="2024-11-12T18:17:39.149" v="0" actId="20577"/>
       <pc:docMkLst>
         <pc:docMk/>
       </pc:docMkLst>
       <pc:sldChg chg="modSp">
-        <pc:chgData name="Rendero, Dominic V" userId="S::dominic.rendero@uconn.edu::6d21d9c4-1e14-476c-8422-cfe29e02369b" providerId="AD" clId="Web-{389AD6E2-AFE2-69AC-561A-62F38484A6AA}" dt="2024-11-12T18:57:40.228" v="134" actId="20577"/>
+        <pc:chgData name="Jarvi, Rachel C" userId="S::rachel.jarvi@uconn.edu::5f94c26e-36bc-415b-abfb-1d0877c450ca" providerId="AD" clId="Web-{BF452B15-AB70-920A-AA57-8425BA5FDA28}" dt="2024-11-12T18:17:39.149" v="0" actId="20577"/>
         <pc:sldMkLst>
           <pc:docMk/>
-          <pc:sldMk cId="759631458" sldId="260"/>
+          <pc:sldMk cId="109857222" sldId="256"/>
         </pc:sldMkLst>
         <pc:spChg chg="mod">
-          <ac:chgData name="Rendero, Dominic V" userId="S::dominic.rendero@uconn.edu::6d21d9c4-1e14-476c-8422-cfe29e02369b" providerId="AD" clId="Web-{389AD6E2-AFE2-69AC-561A-62F38484A6AA}" dt="2024-11-12T18:57:40.228" v="134" actId="20577"/>
+          <ac:chgData name="Jarvi, Rachel C" userId="S::rachel.jarvi@uconn.edu::5f94c26e-36bc-415b-abfb-1d0877c450ca" providerId="AD" clId="Web-{BF452B15-AB70-920A-AA57-8425BA5FDA28}" dt="2024-11-12T18:17:39.149" v="0" actId="20577"/>
           <ac:spMkLst>
             <pc:docMk/>
-            <pc:sldMk cId="759631458" sldId="260"/>
-            <ac:spMk id="3" creationId="{D9B020B8-69AA-FB95-638B-982C100C07B6}"/>
+            <pc:sldMk cId="109857222" sldId="256"/>
+            <ac:spMk id="3" creationId="{00000000-0000-0000-0000-000000000000}"/>
           </ac:spMkLst>
         </pc:spChg>
       </pc:sldChg>
     </pc:docChg>
   </pc:docChgLst>
   <pc:docChgLst>
-    <pc:chgData name="Jarvi, Rachel C" userId="S::rachel.jarvi@uconn.edu::5f94c26e-36bc-415b-abfb-1d0877c450ca" providerId="AD" clId="Web-{A40AAADB-FFBD-73DE-2636-FFAE3334516F}"/>
+    <pc:chgData name="Corbett, Raen" userId="S::kilraen.corbett@uconn.edu::03a91695-fc09-4a23-bb55-25bf6e0ff63f" providerId="AD" clId="Web-{AF750E8A-9AF4-BCDF-6A7F-614A0E0810EE}"/>
     <pc:docChg chg="modSld">
-      <pc:chgData name="Jarvi, Rachel C" userId="S::rachel.jarvi@uconn.edu::5f94c26e-36bc-415b-abfb-1d0877c450ca" providerId="AD" clId="Web-{A40AAADB-FFBD-73DE-2636-FFAE3334516F}" dt="2024-11-16T19:33:11.438" v="122" actId="20577"/>
-      <pc:docMkLst>
-        <pc:docMk/>
-      </pc:docMkLst>
-      <pc:sldChg chg="addSp modSp">
-        <pc:chgData name="Jarvi, Rachel C" userId="S::rachel.jarvi@uconn.edu::5f94c26e-36bc-415b-abfb-1d0877c450ca" providerId="AD" clId="Web-{A40AAADB-FFBD-73DE-2636-FFAE3334516F}" dt="2024-11-16T19:32:26.530" v="104" actId="1076"/>
-        <pc:sldMkLst>
-          <pc:docMk/>
-          <pc:sldMk cId="237981053" sldId="259"/>
-        </pc:sldMkLst>
-        <pc:spChg chg="mod">
-          <ac:chgData name="Jarvi, Rachel C" userId="S::rachel.jarvi@uconn.edu::5f94c26e-36bc-415b-abfb-1d0877c450ca" providerId="AD" clId="Web-{A40AAADB-FFBD-73DE-2636-FFAE3334516F}" dt="2024-11-16T19:32:00.685" v="99" actId="14100"/>
-          <ac:spMkLst>
-            <pc:docMk/>
-            <pc:sldMk cId="237981053" sldId="259"/>
-            <ac:spMk id="3" creationId="{D9B020B8-69AA-FB95-638B-982C100C07B6}"/>
-          </ac:spMkLst>
-        </pc:spChg>
-        <pc:spChg chg="add mod">
-          <ac:chgData name="Jarvi, Rachel C" userId="S::rachel.jarvi@uconn.edu::5f94c26e-36bc-415b-abfb-1d0877c450ca" providerId="AD" clId="Web-{A40AAADB-FFBD-73DE-2636-FFAE3334516F}" dt="2024-11-16T19:32:26.530" v="104" actId="1076"/>
-          <ac:spMkLst>
-            <pc:docMk/>
-            <pc:sldMk cId="237981053" sldId="259"/>
-            <ac:spMk id="9" creationId="{5A3888CF-D7D1-26B0-DF89-37D813BD4A13}"/>
-          </ac:spMkLst>
-        </pc:spChg>
-        <pc:picChg chg="mod">
-          <ac:chgData name="Jarvi, Rachel C" userId="S::rachel.jarvi@uconn.edu::5f94c26e-36bc-415b-abfb-1d0877c450ca" providerId="AD" clId="Web-{A40AAADB-FFBD-73DE-2636-FFAE3334516F}" dt="2024-11-16T16:05:43.483" v="43" actId="1076"/>
-          <ac:picMkLst>
-            <pc:docMk/>
-            <pc:sldMk cId="237981053" sldId="259"/>
-            <ac:picMk id="4" creationId="{2BA8F7B2-2FED-92D6-59F5-F8654AC0ABFA}"/>
-          </ac:picMkLst>
-        </pc:picChg>
-        <pc:picChg chg="mod">
-          <ac:chgData name="Jarvi, Rachel C" userId="S::rachel.jarvi@uconn.edu::5f94c26e-36bc-415b-abfb-1d0877c450ca" providerId="AD" clId="Web-{A40AAADB-FFBD-73DE-2636-FFAE3334516F}" dt="2024-11-16T16:05:43.483" v="44" actId="1076"/>
-          <ac:picMkLst>
-            <pc:docMk/>
-            <pc:sldMk cId="237981053" sldId="259"/>
-            <ac:picMk id="5" creationId="{EBFC7D84-250F-ABA3-BADC-A0F660618BDB}"/>
-          </ac:picMkLst>
-        </pc:picChg>
-        <pc:picChg chg="mod">
-          <ac:chgData name="Jarvi, Rachel C" userId="S::rachel.jarvi@uconn.edu::5f94c26e-36bc-415b-abfb-1d0877c450ca" providerId="AD" clId="Web-{A40AAADB-FFBD-73DE-2636-FFAE3334516F}" dt="2024-11-16T16:05:43.499" v="45" actId="1076"/>
-          <ac:picMkLst>
-            <pc:docMk/>
-            <pc:sldMk cId="237981053" sldId="259"/>
-            <ac:picMk id="6" creationId="{F7D16A4F-FB61-C4EE-AFC5-5104B28B6F17}"/>
-          </ac:picMkLst>
-        </pc:picChg>
-        <pc:picChg chg="mod">
-          <ac:chgData name="Jarvi, Rachel C" userId="S::rachel.jarvi@uconn.edu::5f94c26e-36bc-415b-abfb-1d0877c450ca" providerId="AD" clId="Web-{A40AAADB-FFBD-73DE-2636-FFAE3334516F}" dt="2024-11-16T19:32:10.592" v="100" actId="1076"/>
-          <ac:picMkLst>
-            <pc:docMk/>
-            <pc:sldMk cId="237981053" sldId="259"/>
-            <ac:picMk id="7" creationId="{35C35FEE-45B0-8D4A-9343-178839363DE9}"/>
-          </ac:picMkLst>
-        </pc:picChg>
-        <pc:picChg chg="mod">
-          <ac:chgData name="Jarvi, Rachel C" userId="S::rachel.jarvi@uconn.edu::5f94c26e-36bc-415b-abfb-1d0877c450ca" providerId="AD" clId="Web-{A40AAADB-FFBD-73DE-2636-FFAE3334516F}" dt="2024-11-16T19:32:10.607" v="101" actId="1076"/>
-          <ac:picMkLst>
-            <pc:docMk/>
-            <pc:sldMk cId="237981053" sldId="259"/>
-            <ac:picMk id="8" creationId="{0AC29C5A-ECF4-1A78-49C0-A25A9B2D39C2}"/>
-          </ac:picMkLst>
-        </pc:picChg>
-        <pc:picChg chg="mod">
-          <ac:chgData name="Jarvi, Rachel C" userId="S::rachel.jarvi@uconn.edu::5f94c26e-36bc-415b-abfb-1d0877c450ca" providerId="AD" clId="Web-{A40AAADB-FFBD-73DE-2636-FFAE3334516F}" dt="2024-11-16T19:32:10.623" v="102" actId="1076"/>
-          <ac:picMkLst>
-            <pc:docMk/>
-            <pc:sldMk cId="237981053" sldId="259"/>
-            <ac:picMk id="10" creationId="{51F3EC71-1EE5-7609-F8D0-62E8032828A0}"/>
-          </ac:picMkLst>
-        </pc:picChg>
-        <pc:picChg chg="mod">
-          <ac:chgData name="Jarvi, Rachel C" userId="S::rachel.jarvi@uconn.edu::5f94c26e-36bc-415b-abfb-1d0877c450ca" providerId="AD" clId="Web-{A40AAADB-FFBD-73DE-2636-FFAE3334516F}" dt="2024-11-16T19:32:10.623" v="103" actId="1076"/>
-          <ac:picMkLst>
-            <pc:docMk/>
-            <pc:sldMk cId="237981053" sldId="259"/>
-            <ac:picMk id="12" creationId="{1F33D2EA-CE61-D8E1-0F52-BA62B4D2D611}"/>
-          </ac:picMkLst>
-        </pc:picChg>
-      </pc:sldChg>
-      <pc:sldChg chg="modSp">
-        <pc:chgData name="Jarvi, Rachel C" userId="S::rachel.jarvi@uconn.edu::5f94c26e-36bc-415b-abfb-1d0877c450ca" providerId="AD" clId="Web-{A40AAADB-FFBD-73DE-2636-FFAE3334516F}" dt="2024-11-16T19:33:11.438" v="122" actId="20577"/>
-        <pc:sldMkLst>
-          <pc:docMk/>
-          <pc:sldMk cId="2985148850" sldId="268"/>
-        </pc:sldMkLst>
-        <pc:spChg chg="mod">
-          <ac:chgData name="Jarvi, Rachel C" userId="S::rachel.jarvi@uconn.edu::5f94c26e-36bc-415b-abfb-1d0877c450ca" providerId="AD" clId="Web-{A40AAADB-FFBD-73DE-2636-FFAE3334516F}" dt="2024-11-16T16:02:51.913" v="12" actId="1076"/>
-          <ac:spMkLst>
-            <pc:docMk/>
-            <pc:sldMk cId="2985148850" sldId="268"/>
-            <ac:spMk id="2" creationId="{6295BD48-0420-6F9B-DB8F-C4BEDD330B02}"/>
-          </ac:spMkLst>
-        </pc:spChg>
-        <pc:spChg chg="mod">
-          <ac:chgData name="Jarvi, Rachel C" userId="S::rachel.jarvi@uconn.edu::5f94c26e-36bc-415b-abfb-1d0877c450ca" providerId="AD" clId="Web-{A40AAADB-FFBD-73DE-2636-FFAE3334516F}" dt="2024-11-16T19:33:11.438" v="122" actId="20577"/>
-          <ac:spMkLst>
-            <pc:docMk/>
-            <pc:sldMk cId="2985148850" sldId="268"/>
-            <ac:spMk id="3" creationId="{69DC73C4-ED0B-7D63-FD7D-17E11DDB0D2B}"/>
-          </ac:spMkLst>
-        </pc:spChg>
-      </pc:sldChg>
-    </pc:docChg>
-  </pc:docChgLst>
-  <pc:docChgLst>
-    <pc:chgData name="Jarvi, Rachel C" userId="S::rachel.jarvi@uconn.edu::5f94c26e-36bc-415b-abfb-1d0877c450ca" providerId="AD" clId="Web-{7C7D7AC8-ADFC-F35D-C54C-F4B2A8F166EB}"/>
-    <pc:docChg chg="addSld modSld">
-      <pc:chgData name="Jarvi, Rachel C" userId="S::rachel.jarvi@uconn.edu::5f94c26e-36bc-415b-abfb-1d0877c450ca" providerId="AD" clId="Web-{7C7D7AC8-ADFC-F35D-C54C-F4B2A8F166EB}" dt="2024-11-13T19:30:09.944" v="728" actId="20577"/>
+      <pc:chgData name="Corbett, Raen" userId="S::kilraen.corbett@uconn.edu::03a91695-fc09-4a23-bb55-25bf6e0ff63f" providerId="AD" clId="Web-{AF750E8A-9AF4-BCDF-6A7F-614A0E0810EE}" dt="2024-11-12T18:37:26.080" v="52" actId="20577"/>
       <pc:docMkLst>
         <pc:docMk/>
       </pc:docMkLst>
       <pc:sldChg chg="modSp">
-        <pc:chgData name="Jarvi, Rachel C" userId="S::rachel.jarvi@uconn.edu::5f94c26e-36bc-415b-abfb-1d0877c450ca" providerId="AD" clId="Web-{7C7D7AC8-ADFC-F35D-C54C-F4B2A8F166EB}" dt="2024-11-13T18:51:36.842" v="16" actId="20577"/>
-        <pc:sldMkLst>
-          <pc:docMk/>
-          <pc:sldMk cId="3621657562" sldId="257"/>
-        </pc:sldMkLst>
-        <pc:spChg chg="mod">
-          <ac:chgData name="Jarvi, Rachel C" userId="S::rachel.jarvi@uconn.edu::5f94c26e-36bc-415b-abfb-1d0877c450ca" providerId="AD" clId="Web-{7C7D7AC8-ADFC-F35D-C54C-F4B2A8F166EB}" dt="2024-11-13T18:51:36.842" v="16" actId="20577"/>
-          <ac:spMkLst>
-            <pc:docMk/>
-            <pc:sldMk cId="3621657562" sldId="257"/>
-            <ac:spMk id="3" creationId="{D9B020B8-69AA-FB95-638B-982C100C07B6}"/>
-          </ac:spMkLst>
-        </pc:spChg>
-      </pc:sldChg>
-      <pc:sldChg chg="addSp delSp modSp">
-        <pc:chgData name="Jarvi, Rachel C" userId="S::rachel.jarvi@uconn.edu::5f94c26e-36bc-415b-abfb-1d0877c450ca" providerId="AD" clId="Web-{7C7D7AC8-ADFC-F35D-C54C-F4B2A8F166EB}" dt="2024-11-13T19:12:18.887" v="283" actId="20577"/>
-        <pc:sldMkLst>
-          <pc:docMk/>
-          <pc:sldMk cId="1919512088" sldId="258"/>
-        </pc:sldMkLst>
-        <pc:spChg chg="mod">
-          <ac:chgData name="Jarvi, Rachel C" userId="S::rachel.jarvi@uconn.edu::5f94c26e-36bc-415b-abfb-1d0877c450ca" providerId="AD" clId="Web-{7C7D7AC8-ADFC-F35D-C54C-F4B2A8F166EB}" dt="2024-11-13T19:12:18.887" v="283" actId="20577"/>
-          <ac:spMkLst>
-            <pc:docMk/>
-            <pc:sldMk cId="1919512088" sldId="258"/>
-            <ac:spMk id="3" creationId="{D9B020B8-69AA-FB95-638B-982C100C07B6}"/>
-          </ac:spMkLst>
-        </pc:spChg>
-        <pc:picChg chg="add mod modCrop">
-          <ac:chgData name="Jarvi, Rachel C" userId="S::rachel.jarvi@uconn.edu::5f94c26e-36bc-415b-abfb-1d0877c450ca" providerId="AD" clId="Web-{7C7D7AC8-ADFC-F35D-C54C-F4B2A8F166EB}" dt="2024-11-13T19:11:45.730" v="260"/>
-          <ac:picMkLst>
-            <pc:docMk/>
-            <pc:sldMk cId="1919512088" sldId="258"/>
-            <ac:picMk id="5" creationId="{6A5D6368-96D6-F066-9673-9B2644A39F02}"/>
-          </ac:picMkLst>
-        </pc:picChg>
-      </pc:sldChg>
-      <pc:sldChg chg="modSp">
-        <pc:chgData name="Jarvi, Rachel C" userId="S::rachel.jarvi@uconn.edu::5f94c26e-36bc-415b-abfb-1d0877c450ca" providerId="AD" clId="Web-{7C7D7AC8-ADFC-F35D-C54C-F4B2A8F166EB}" dt="2024-11-13T18:53:29.891" v="35" actId="20577"/>
-        <pc:sldMkLst>
-          <pc:docMk/>
-          <pc:sldMk cId="237981053" sldId="259"/>
-        </pc:sldMkLst>
-        <pc:spChg chg="mod">
-          <ac:chgData name="Jarvi, Rachel C" userId="S::rachel.jarvi@uconn.edu::5f94c26e-36bc-415b-abfb-1d0877c450ca" providerId="AD" clId="Web-{7C7D7AC8-ADFC-F35D-C54C-F4B2A8F166EB}" dt="2024-11-13T18:53:29.891" v="35" actId="20577"/>
-          <ac:spMkLst>
-            <pc:docMk/>
-            <pc:sldMk cId="237981053" sldId="259"/>
-            <ac:spMk id="3" creationId="{D9B020B8-69AA-FB95-638B-982C100C07B6}"/>
-          </ac:spMkLst>
-        </pc:spChg>
-      </pc:sldChg>
-      <pc:sldChg chg="addSp delSp modSp">
-        <pc:chgData name="Jarvi, Rachel C" userId="S::rachel.jarvi@uconn.edu::5f94c26e-36bc-415b-abfb-1d0877c450ca" providerId="AD" clId="Web-{7C7D7AC8-ADFC-F35D-C54C-F4B2A8F166EB}" dt="2024-11-13T19:27:29.378" v="641" actId="14100"/>
+        <pc:chgData name="Corbett, Raen" userId="S::kilraen.corbett@uconn.edu::03a91695-fc09-4a23-bb55-25bf6e0ff63f" providerId="AD" clId="Web-{AF750E8A-9AF4-BCDF-6A7F-614A0E0810EE}" dt="2024-11-12T18:37:26.080" v="52" actId="20577"/>
         <pc:sldMkLst>
           <pc:docMk/>
           <pc:sldMk cId="208975706" sldId="261"/>
         </pc:sldMkLst>
         <pc:spChg chg="mod">
-          <ac:chgData name="Jarvi, Rachel C" userId="S::rachel.jarvi@uconn.edu::5f94c26e-36bc-415b-abfb-1d0877c450ca" providerId="AD" clId="Web-{7C7D7AC8-ADFC-F35D-C54C-F4B2A8F166EB}" dt="2024-11-13T19:27:29.378" v="641" actId="14100"/>
+          <ac:chgData name="Corbett, Raen" userId="S::kilraen.corbett@uconn.edu::03a91695-fc09-4a23-bb55-25bf6e0ff63f" providerId="AD" clId="Web-{AF750E8A-9AF4-BCDF-6A7F-614A0E0810EE}" dt="2024-11-12T18:37:26.080" v="52" actId="20577"/>
           <ac:spMkLst>
             <pc:docMk/>
             <pc:sldMk cId="208975706" sldId="261"/>
             <ac:spMk id="3" creationId="{569BF01D-2624-1CB1-4D56-04AB44CD5EC9}"/>
           </ac:spMkLst>
         </pc:spChg>
-        <pc:picChg chg="add mod">
-          <ac:chgData name="Jarvi, Rachel C" userId="S::rachel.jarvi@uconn.edu::5f94c26e-36bc-415b-abfb-1d0877c450ca" providerId="AD" clId="Web-{7C7D7AC8-ADFC-F35D-C54C-F4B2A8F166EB}" dt="2024-11-13T19:26:01.938" v="604" actId="1076"/>
-          <ac:picMkLst>
-            <pc:docMk/>
-            <pc:sldMk cId="208975706" sldId="261"/>
-            <ac:picMk id="5" creationId="{FB393090-D7B6-BCB3-9B48-0509589CF32E}"/>
-          </ac:picMkLst>
-        </pc:picChg>
       </pc:sldChg>
-      <pc:sldChg chg="addSp delSp modSp">
-        <pc:chgData name="Jarvi, Rachel C" userId="S::rachel.jarvi@uconn.edu::5f94c26e-36bc-415b-abfb-1d0877c450ca" providerId="AD" clId="Web-{7C7D7AC8-ADFC-F35D-C54C-F4B2A8F166EB}" dt="2024-11-13T19:28:53.239" v="666" actId="1076"/>
-        <pc:sldMkLst>
-          <pc:docMk/>
-          <pc:sldMk cId="693929850" sldId="262"/>
-        </pc:sldMkLst>
-        <pc:spChg chg="add mod">
-          <ac:chgData name="Jarvi, Rachel C" userId="S::rachel.jarvi@uconn.edu::5f94c26e-36bc-415b-abfb-1d0877c450ca" providerId="AD" clId="Web-{7C7D7AC8-ADFC-F35D-C54C-F4B2A8F166EB}" dt="2024-11-13T19:28:53.239" v="666" actId="1076"/>
-          <ac:spMkLst>
-            <pc:docMk/>
-            <pc:sldMk cId="693929850" sldId="262"/>
-            <ac:spMk id="5" creationId="{5C6FAAC2-4FD0-698F-FFCD-AD5F841230E7}"/>
-          </ac:spMkLst>
-        </pc:spChg>
-        <pc:picChg chg="add mod ord">
-          <ac:chgData name="Jarvi, Rachel C" userId="S::rachel.jarvi@uconn.edu::5f94c26e-36bc-415b-abfb-1d0877c450ca" providerId="AD" clId="Web-{7C7D7AC8-ADFC-F35D-C54C-F4B2A8F166EB}" dt="2024-11-13T19:14:19.546" v="287" actId="1076"/>
-          <ac:picMkLst>
-            <pc:docMk/>
-            <pc:sldMk cId="693929850" sldId="262"/>
-            <ac:picMk id="4" creationId="{DEC6F89D-F4D2-695F-A245-11E84FB2A4E9}"/>
-          </ac:picMkLst>
-        </pc:picChg>
-      </pc:sldChg>
-      <pc:sldChg chg="modSp">
-        <pc:chgData name="Jarvi, Rachel C" userId="S::rachel.jarvi@uconn.edu::5f94c26e-36bc-415b-abfb-1d0877c450ca" providerId="AD" clId="Web-{7C7D7AC8-ADFC-F35D-C54C-F4B2A8F166EB}" dt="2024-11-13T19:29:04.583" v="674" actId="20577"/>
-        <pc:sldMkLst>
-          <pc:docMk/>
-          <pc:sldMk cId="3012295971" sldId="263"/>
-        </pc:sldMkLst>
-      </pc:sldChg>
-      <pc:sldChg chg="addSp modSp add replId">
-        <pc:chgData name="Jarvi, Rachel C" userId="S::rachel.jarvi@uconn.edu::5f94c26e-36bc-415b-abfb-1d0877c450ca" providerId="AD" clId="Web-{7C7D7AC8-ADFC-F35D-C54C-F4B2A8F166EB}" dt="2024-11-13T19:08:27.710" v="250" actId="1076"/>
-        <pc:sldMkLst>
-          <pc:docMk/>
-          <pc:sldMk cId="3493009253" sldId="264"/>
-        </pc:sldMkLst>
-        <pc:spChg chg="mod">
-          <ac:chgData name="Jarvi, Rachel C" userId="S::rachel.jarvi@uconn.edu::5f94c26e-36bc-415b-abfb-1d0877c450ca" providerId="AD" clId="Web-{7C7D7AC8-ADFC-F35D-C54C-F4B2A8F166EB}" dt="2024-11-13T18:53:53.798" v="40" actId="20577"/>
-          <ac:spMkLst>
-            <pc:docMk/>
-            <pc:sldMk cId="3493009253" sldId="264"/>
-            <ac:spMk id="2" creationId="{A66246BF-C2B5-B7F4-DB8D-ADC4F8CF85A0}"/>
-          </ac:spMkLst>
-        </pc:spChg>
-        <pc:spChg chg="mod">
-          <ac:chgData name="Jarvi, Rachel C" userId="S::rachel.jarvi@uconn.edu::5f94c26e-36bc-415b-abfb-1d0877c450ca" providerId="AD" clId="Web-{7C7D7AC8-ADFC-F35D-C54C-F4B2A8F166EB}" dt="2024-11-13T19:03:48.656" v="206" actId="20577"/>
-          <ac:spMkLst>
-            <pc:docMk/>
-            <pc:sldMk cId="3493009253" sldId="264"/>
-            <ac:spMk id="3" creationId="{D9B020B8-69AA-FB95-638B-982C100C07B6}"/>
-          </ac:spMkLst>
-        </pc:spChg>
-        <pc:spChg chg="add mod">
-          <ac:chgData name="Jarvi, Rachel C" userId="S::rachel.jarvi@uconn.edu::5f94c26e-36bc-415b-abfb-1d0877c450ca" providerId="AD" clId="Web-{7C7D7AC8-ADFC-F35D-C54C-F4B2A8F166EB}" dt="2024-11-13T19:08:16.616" v="247" actId="1076"/>
-          <ac:spMkLst>
-            <pc:docMk/>
-            <pc:sldMk cId="3493009253" sldId="264"/>
-            <ac:spMk id="6" creationId="{023979FC-012B-EC76-CEA5-A32643288D86}"/>
-          </ac:spMkLst>
-        </pc:spChg>
-        <pc:spChg chg="add mod">
-          <ac:chgData name="Jarvi, Rachel C" userId="S::rachel.jarvi@uconn.edu::5f94c26e-36bc-415b-abfb-1d0877c450ca" providerId="AD" clId="Web-{7C7D7AC8-ADFC-F35D-C54C-F4B2A8F166EB}" dt="2024-11-13T19:08:16.631" v="248" actId="1076"/>
-          <ac:spMkLst>
-            <pc:docMk/>
-            <pc:sldMk cId="3493009253" sldId="264"/>
-            <ac:spMk id="7" creationId="{C43C9AFB-B935-5D2D-04FE-7FA0109B6944}"/>
-          </ac:spMkLst>
-        </pc:spChg>
-        <pc:picChg chg="add mod">
-          <ac:chgData name="Jarvi, Rachel C" userId="S::rachel.jarvi@uconn.edu::5f94c26e-36bc-415b-abfb-1d0877c450ca" providerId="AD" clId="Web-{7C7D7AC8-ADFC-F35D-C54C-F4B2A8F166EB}" dt="2024-11-13T19:08:16.600" v="245" actId="1076"/>
-          <ac:picMkLst>
-            <pc:docMk/>
-            <pc:sldMk cId="3493009253" sldId="264"/>
-            <ac:picMk id="4" creationId="{4BBEF1F6-65C6-6878-029E-34D15BBD4E15}"/>
-          </ac:picMkLst>
-        </pc:picChg>
-        <pc:picChg chg="add mod">
-          <ac:chgData name="Jarvi, Rachel C" userId="S::rachel.jarvi@uconn.edu::5f94c26e-36bc-415b-abfb-1d0877c450ca" providerId="AD" clId="Web-{7C7D7AC8-ADFC-F35D-C54C-F4B2A8F166EB}" dt="2024-11-13T19:08:16.616" v="246" actId="1076"/>
-          <ac:picMkLst>
-            <pc:docMk/>
-            <pc:sldMk cId="3493009253" sldId="264"/>
-            <ac:picMk id="5" creationId="{2064FFBF-851B-FB32-B0CC-95AB8C721388}"/>
-          </ac:picMkLst>
-        </pc:picChg>
-        <pc:picChg chg="add mod">
-          <ac:chgData name="Jarvi, Rachel C" userId="S::rachel.jarvi@uconn.edu::5f94c26e-36bc-415b-abfb-1d0877c450ca" providerId="AD" clId="Web-{7C7D7AC8-ADFC-F35D-C54C-F4B2A8F166EB}" dt="2024-11-13T19:08:27.710" v="250" actId="1076"/>
-          <ac:picMkLst>
-            <pc:docMk/>
-            <pc:sldMk cId="3493009253" sldId="264"/>
-            <ac:picMk id="8" creationId="{01AA50AE-1118-5847-9389-C668630CDFD5}"/>
-          </ac:picMkLst>
-        </pc:picChg>
-      </pc:sldChg>
-      <pc:sldChg chg="modSp add replId">
-        <pc:chgData name="Jarvi, Rachel C" userId="S::rachel.jarvi@uconn.edu::5f94c26e-36bc-415b-abfb-1d0877c450ca" providerId="AD" clId="Web-{7C7D7AC8-ADFC-F35D-C54C-F4B2A8F166EB}" dt="2024-11-13T19:30:09.944" v="728" actId="20577"/>
-        <pc:sldMkLst>
-          <pc:docMk/>
-          <pc:sldMk cId="3602972703" sldId="265"/>
-        </pc:sldMkLst>
-        <pc:spChg chg="mod">
-          <ac:chgData name="Jarvi, Rachel C" userId="S::rachel.jarvi@uconn.edu::5f94c26e-36bc-415b-abfb-1d0877c450ca" providerId="AD" clId="Web-{7C7D7AC8-ADFC-F35D-C54C-F4B2A8F166EB}" dt="2024-11-13T19:29:23.974" v="689" actId="20577"/>
-          <ac:spMkLst>
-            <pc:docMk/>
-            <pc:sldMk cId="3602972703" sldId="265"/>
-            <ac:spMk id="2" creationId="{A66246BF-C2B5-B7F4-DB8D-ADC4F8CF85A0}"/>
-          </ac:spMkLst>
-        </pc:spChg>
-        <pc:spChg chg="mod">
-          <ac:chgData name="Jarvi, Rachel C" userId="S::rachel.jarvi@uconn.edu::5f94c26e-36bc-415b-abfb-1d0877c450ca" providerId="AD" clId="Web-{7C7D7AC8-ADFC-F35D-C54C-F4B2A8F166EB}" dt="2024-11-13T19:30:09.944" v="728" actId="20577"/>
-          <ac:spMkLst>
-            <pc:docMk/>
-            <pc:sldMk cId="3602972703" sldId="265"/>
-            <ac:spMk id="3" creationId="{D9B020B8-69AA-FB95-638B-982C100C07B6}"/>
-          </ac:spMkLst>
-        </pc:spChg>
-      </pc:sldChg>
-    </pc:docChg>
-  </pc:docChgLst>
-  <pc:docChgLst>
-    <pc:chgData name="Jarvi, Rachel C" userId="S::rachel.jarvi@uconn.edu::5f94c26e-36bc-415b-abfb-1d0877c450ca" providerId="AD" clId="Web-{54187DFC-061D-FFBF-F372-A73FF01ADBBD}"/>
-    <pc:docChg chg="addSld modSld addMainMaster delMainMaster">
-      <pc:chgData name="Jarvi, Rachel C" userId="S::rachel.jarvi@uconn.edu::5f94c26e-36bc-415b-abfb-1d0877c450ca" providerId="AD" clId="Web-{54187DFC-061D-FFBF-F372-A73FF01ADBBD}" dt="2024-11-11T16:01:29.133" v="603" actId="20577"/>
-      <pc:docMkLst>
-        <pc:docMk/>
-      </pc:docMkLst>
-      <pc:sldChg chg="addSp delSp modSp mod setBg modClrScheme chgLayout">
-        <pc:chgData name="Jarvi, Rachel C" userId="S::rachel.jarvi@uconn.edu::5f94c26e-36bc-415b-abfb-1d0877c450ca" providerId="AD" clId="Web-{54187DFC-061D-FFBF-F372-A73FF01ADBBD}" dt="2024-11-11T15:17:43.722" v="49" actId="20577"/>
-        <pc:sldMkLst>
-          <pc:docMk/>
-          <pc:sldMk cId="109857222" sldId="256"/>
-        </pc:sldMkLst>
-        <pc:spChg chg="mod">
-          <ac:chgData name="Jarvi, Rachel C" userId="S::rachel.jarvi@uconn.edu::5f94c26e-36bc-415b-abfb-1d0877c450ca" providerId="AD" clId="Web-{54187DFC-061D-FFBF-F372-A73FF01ADBBD}" dt="2024-11-11T15:17:27.316" v="47" actId="20577"/>
-          <ac:spMkLst>
-            <pc:docMk/>
-            <pc:sldMk cId="109857222" sldId="256"/>
-            <ac:spMk id="2" creationId="{00000000-0000-0000-0000-000000000000}"/>
-          </ac:spMkLst>
-        </pc:spChg>
-        <pc:spChg chg="mod">
-          <ac:chgData name="Jarvi, Rachel C" userId="S::rachel.jarvi@uconn.edu::5f94c26e-36bc-415b-abfb-1d0877c450ca" providerId="AD" clId="Web-{54187DFC-061D-FFBF-F372-A73FF01ADBBD}" dt="2024-11-11T15:17:43.722" v="49" actId="20577"/>
-          <ac:spMkLst>
-            <pc:docMk/>
-            <pc:sldMk cId="109857222" sldId="256"/>
-            <ac:spMk id="3" creationId="{00000000-0000-0000-0000-000000000000}"/>
-          </ac:spMkLst>
-        </pc:spChg>
-        <pc:spChg chg="add">
-          <ac:chgData name="Jarvi, Rachel C" userId="S::rachel.jarvi@uconn.edu::5f94c26e-36bc-415b-abfb-1d0877c450ca" providerId="AD" clId="Web-{54187DFC-061D-FFBF-F372-A73FF01ADBBD}" dt="2024-11-11T15:16:06.783" v="16"/>
-          <ac:spMkLst>
-            <pc:docMk/>
-            <pc:sldMk cId="109857222" sldId="256"/>
-            <ac:spMk id="12" creationId="{0760E4C7-47B8-4356-ABCA-CC9C79E2D2B6}"/>
-          </ac:spMkLst>
-        </pc:spChg>
-        <pc:spChg chg="add">
-          <ac:chgData name="Jarvi, Rachel C" userId="S::rachel.jarvi@uconn.edu::5f94c26e-36bc-415b-abfb-1d0877c450ca" providerId="AD" clId="Web-{54187DFC-061D-FFBF-F372-A73FF01ADBBD}" dt="2024-11-11T15:16:06.783" v="16"/>
-          <ac:spMkLst>
-            <pc:docMk/>
-            <pc:sldMk cId="109857222" sldId="256"/>
-            <ac:spMk id="14" creationId="{ED0A0432-F95F-6441-CC5D-B6BB755FABF8}"/>
-          </ac:spMkLst>
-        </pc:spChg>
-        <pc:spChg chg="add">
-          <ac:chgData name="Jarvi, Rachel C" userId="S::rachel.jarvi@uconn.edu::5f94c26e-36bc-415b-abfb-1d0877c450ca" providerId="AD" clId="Web-{54187DFC-061D-FFBF-F372-A73FF01ADBBD}" dt="2024-11-11T15:16:06.783" v="16"/>
-          <ac:spMkLst>
-            <pc:docMk/>
-            <pc:sldMk cId="109857222" sldId="256"/>
-            <ac:spMk id="16" creationId="{3F0586C3-A19F-D214-ABDE-30AD5B6669E5}"/>
-          </ac:spMkLst>
-        </pc:spChg>
-        <pc:picChg chg="add del mod ord">
-          <ac:chgData name="Jarvi, Rachel C" userId="S::rachel.jarvi@uconn.edu::5f94c26e-36bc-415b-abfb-1d0877c450ca" providerId="AD" clId="Web-{54187DFC-061D-FFBF-F372-A73FF01ADBBD}" dt="2024-11-11T15:16:06.783" v="16"/>
-          <ac:picMkLst>
-            <pc:docMk/>
-            <pc:sldMk cId="109857222" sldId="256"/>
-            <ac:picMk id="7" creationId="{DE499A9D-F14F-EBE1-7603-A5EC6F5AB811}"/>
-          </ac:picMkLst>
-        </pc:picChg>
-        <pc:cxnChg chg="add">
-          <ac:chgData name="Jarvi, Rachel C" userId="S::rachel.jarvi@uconn.edu::5f94c26e-36bc-415b-abfb-1d0877c450ca" providerId="AD" clId="Web-{54187DFC-061D-FFBF-F372-A73FF01ADBBD}" dt="2024-11-11T15:16:06.783" v="16"/>
-          <ac:cxnSpMkLst>
-            <pc:docMk/>
-            <pc:sldMk cId="109857222" sldId="256"/>
-            <ac:cxnSpMk id="18" creationId="{414C5C93-B9E9-4392-ADCF-ABF21209DD56}"/>
-          </ac:cxnSpMkLst>
-        </pc:cxnChg>
-      </pc:sldChg>
-      <pc:sldChg chg="modSp new">
-        <pc:chgData name="Jarvi, Rachel C" userId="S::rachel.jarvi@uconn.edu::5f94c26e-36bc-415b-abfb-1d0877c450ca" providerId="AD" clId="Web-{54187DFC-061D-FFBF-F372-A73FF01ADBBD}" dt="2024-11-11T15:25:22.012" v="234" actId="20577"/>
-        <pc:sldMkLst>
-          <pc:docMk/>
-          <pc:sldMk cId="3621657562" sldId="257"/>
-        </pc:sldMkLst>
-        <pc:spChg chg="mod">
-          <ac:chgData name="Jarvi, Rachel C" userId="S::rachel.jarvi@uconn.edu::5f94c26e-36bc-415b-abfb-1d0877c450ca" providerId="AD" clId="Web-{54187DFC-061D-FFBF-F372-A73FF01ADBBD}" dt="2024-11-11T15:21:15.648" v="67" actId="20577"/>
-          <ac:spMkLst>
-            <pc:docMk/>
-            <pc:sldMk cId="3621657562" sldId="257"/>
-            <ac:spMk id="2" creationId="{A66246BF-C2B5-B7F4-DB8D-ADC4F8CF85A0}"/>
-          </ac:spMkLst>
-        </pc:spChg>
-        <pc:spChg chg="mod">
-          <ac:chgData name="Jarvi, Rachel C" userId="S::rachel.jarvi@uconn.edu::5f94c26e-36bc-415b-abfb-1d0877c450ca" providerId="AD" clId="Web-{54187DFC-061D-FFBF-F372-A73FF01ADBBD}" dt="2024-11-11T15:25:22.012" v="234" actId="20577"/>
-          <ac:spMkLst>
-            <pc:docMk/>
-            <pc:sldMk cId="3621657562" sldId="257"/>
-            <ac:spMk id="3" creationId="{D9B020B8-69AA-FB95-638B-982C100C07B6}"/>
-          </ac:spMkLst>
-        </pc:spChg>
-      </pc:sldChg>
-      <pc:sldChg chg="modSp add replId">
-        <pc:chgData name="Jarvi, Rachel C" userId="S::rachel.jarvi@uconn.edu::5f94c26e-36bc-415b-abfb-1d0877c450ca" providerId="AD" clId="Web-{54187DFC-061D-FFBF-F372-A73FF01ADBBD}" dt="2024-11-11T15:47:47.398" v="523" actId="20577"/>
-        <pc:sldMkLst>
-          <pc:docMk/>
-          <pc:sldMk cId="1919512088" sldId="258"/>
-        </pc:sldMkLst>
-        <pc:spChg chg="mod">
-          <ac:chgData name="Jarvi, Rachel C" userId="S::rachel.jarvi@uconn.edu::5f94c26e-36bc-415b-abfb-1d0877c450ca" providerId="AD" clId="Web-{54187DFC-061D-FFBF-F372-A73FF01ADBBD}" dt="2024-11-11T15:25:59.544" v="238" actId="20577"/>
-          <ac:spMkLst>
-            <pc:docMk/>
-            <pc:sldMk cId="1919512088" sldId="258"/>
-            <ac:spMk id="2" creationId="{A66246BF-C2B5-B7F4-DB8D-ADC4F8CF85A0}"/>
-          </ac:spMkLst>
-        </pc:spChg>
-        <pc:spChg chg="mod">
-          <ac:chgData name="Jarvi, Rachel C" userId="S::rachel.jarvi@uconn.edu::5f94c26e-36bc-415b-abfb-1d0877c450ca" providerId="AD" clId="Web-{54187DFC-061D-FFBF-F372-A73FF01ADBBD}" dt="2024-11-11T15:47:47.398" v="523" actId="20577"/>
-          <ac:spMkLst>
-            <pc:docMk/>
-            <pc:sldMk cId="1919512088" sldId="258"/>
-            <ac:spMk id="3" creationId="{D9B020B8-69AA-FB95-638B-982C100C07B6}"/>
-          </ac:spMkLst>
-        </pc:spChg>
-      </pc:sldChg>
-      <pc:sldChg chg="modSp add replId">
-        <pc:chgData name="Jarvi, Rachel C" userId="S::rachel.jarvi@uconn.edu::5f94c26e-36bc-415b-abfb-1d0877c450ca" providerId="AD" clId="Web-{54187DFC-061D-FFBF-F372-A73FF01ADBBD}" dt="2024-11-11T15:56:52.955" v="580" actId="20577"/>
-        <pc:sldMkLst>
-          <pc:docMk/>
-          <pc:sldMk cId="237981053" sldId="259"/>
-        </pc:sldMkLst>
-        <pc:spChg chg="mod">
-          <ac:chgData name="Jarvi, Rachel C" userId="S::rachel.jarvi@uconn.edu::5f94c26e-36bc-415b-abfb-1d0877c450ca" providerId="AD" clId="Web-{54187DFC-061D-FFBF-F372-A73FF01ADBBD}" dt="2024-11-11T15:48:58.649" v="532" actId="20577"/>
-          <ac:spMkLst>
-            <pc:docMk/>
-            <pc:sldMk cId="237981053" sldId="259"/>
-            <ac:spMk id="2" creationId="{A66246BF-C2B5-B7F4-DB8D-ADC4F8CF85A0}"/>
-          </ac:spMkLst>
-        </pc:spChg>
-        <pc:spChg chg="mod">
-          <ac:chgData name="Jarvi, Rachel C" userId="S::rachel.jarvi@uconn.edu::5f94c26e-36bc-415b-abfb-1d0877c450ca" providerId="AD" clId="Web-{54187DFC-061D-FFBF-F372-A73FF01ADBBD}" dt="2024-11-11T15:56:52.955" v="580" actId="20577"/>
-          <ac:spMkLst>
-            <pc:docMk/>
-            <pc:sldMk cId="237981053" sldId="259"/>
-            <ac:spMk id="3" creationId="{D9B020B8-69AA-FB95-638B-982C100C07B6}"/>
-          </ac:spMkLst>
-        </pc:spChg>
-      </pc:sldChg>
-      <pc:sldChg chg="modSp add replId">
-        <pc:chgData name="Jarvi, Rachel C" userId="S::rachel.jarvi@uconn.edu::5f94c26e-36bc-415b-abfb-1d0877c450ca" providerId="AD" clId="Web-{54187DFC-061D-FFBF-F372-A73FF01ADBBD}" dt="2024-11-11T16:00:38.600" v="582" actId="20577"/>
-        <pc:sldMkLst>
-          <pc:docMk/>
-          <pc:sldMk cId="759631458" sldId="260"/>
-        </pc:sldMkLst>
-        <pc:spChg chg="mod">
-          <ac:chgData name="Jarvi, Rachel C" userId="S::rachel.jarvi@uconn.edu::5f94c26e-36bc-415b-abfb-1d0877c450ca" providerId="AD" clId="Web-{54187DFC-061D-FFBF-F372-A73FF01ADBBD}" dt="2024-11-11T16:00:38.600" v="582" actId="20577"/>
-          <ac:spMkLst>
-            <pc:docMk/>
-            <pc:sldMk cId="759631458" sldId="260"/>
-            <ac:spMk id="2" creationId="{A66246BF-C2B5-B7F4-DB8D-ADC4F8CF85A0}"/>
-          </ac:spMkLst>
-        </pc:spChg>
-      </pc:sldChg>
-      <pc:sldChg chg="modSp new">
-        <pc:chgData name="Jarvi, Rachel C" userId="S::rachel.jarvi@uconn.edu::5f94c26e-36bc-415b-abfb-1d0877c450ca" providerId="AD" clId="Web-{54187DFC-061D-FFBF-F372-A73FF01ADBBD}" dt="2024-11-11T16:00:49.132" v="588" actId="20577"/>
-        <pc:sldMkLst>
-          <pc:docMk/>
-          <pc:sldMk cId="208975706" sldId="261"/>
-        </pc:sldMkLst>
-        <pc:spChg chg="mod">
-          <ac:chgData name="Jarvi, Rachel C" userId="S::rachel.jarvi@uconn.edu::5f94c26e-36bc-415b-abfb-1d0877c450ca" providerId="AD" clId="Web-{54187DFC-061D-FFBF-F372-A73FF01ADBBD}" dt="2024-11-11T16:00:49.132" v="588" actId="20577"/>
-          <ac:spMkLst>
-            <pc:docMk/>
-            <pc:sldMk cId="208975706" sldId="261"/>
-            <ac:spMk id="2" creationId="{42473E60-EDA6-E49C-CCF9-73E9BAAD6BE7}"/>
-          </ac:spMkLst>
-        </pc:spChg>
-      </pc:sldChg>
-      <pc:sldChg chg="modSp new">
-        <pc:chgData name="Jarvi, Rachel C" userId="S::rachel.jarvi@uconn.edu::5f94c26e-36bc-415b-abfb-1d0877c450ca" providerId="AD" clId="Web-{54187DFC-061D-FFBF-F372-A73FF01ADBBD}" dt="2024-11-11T16:01:19.351" v="595" actId="20577"/>
-        <pc:sldMkLst>
-          <pc:docMk/>
-          <pc:sldMk cId="693929850" sldId="262"/>
-        </pc:sldMkLst>
-        <pc:spChg chg="mod">
-          <ac:chgData name="Jarvi, Rachel C" userId="S::rachel.jarvi@uconn.edu::5f94c26e-36bc-415b-abfb-1d0877c450ca" providerId="AD" clId="Web-{54187DFC-061D-FFBF-F372-A73FF01ADBBD}" dt="2024-11-11T16:01:19.351" v="595" actId="20577"/>
-          <ac:spMkLst>
-            <pc:docMk/>
-            <pc:sldMk cId="693929850" sldId="262"/>
-            <ac:spMk id="2" creationId="{A25F0CB2-155A-13CB-7931-14C5B9B7A65C}"/>
-          </ac:spMkLst>
-        </pc:spChg>
-      </pc:sldChg>
-      <pc:sldChg chg="modSp add replId">
-        <pc:chgData name="Jarvi, Rachel C" userId="S::rachel.jarvi@uconn.edu::5f94c26e-36bc-415b-abfb-1d0877c450ca" providerId="AD" clId="Web-{54187DFC-061D-FFBF-F372-A73FF01ADBBD}" dt="2024-11-11T16:01:29.133" v="603" actId="20577"/>
-        <pc:sldMkLst>
-          <pc:docMk/>
-          <pc:sldMk cId="3012295971" sldId="263"/>
-        </pc:sldMkLst>
-      </pc:sldChg>
-      <pc:sldMasterChg chg="del delSldLayout">
-        <pc:chgData name="Jarvi, Rachel C" userId="S::rachel.jarvi@uconn.edu::5f94c26e-36bc-415b-abfb-1d0877c450ca" providerId="AD" clId="Web-{54187DFC-061D-FFBF-F372-A73FF01ADBBD}" dt="2024-11-11T15:16:06.783" v="16"/>
-        <pc:sldMasterMkLst>
-          <pc:docMk/>
-          <pc:sldMasterMk cId="2460954070" sldId="2147483660"/>
-        </pc:sldMasterMkLst>
-        <pc:sldLayoutChg chg="del">
-          <pc:chgData name="Jarvi, Rachel C" userId="S::rachel.jarvi@uconn.edu::5f94c26e-36bc-415b-abfb-1d0877c450ca" providerId="AD" clId="Web-{54187DFC-061D-FFBF-F372-A73FF01ADBBD}" dt="2024-11-11T15:16:06.783" v="16"/>
-          <pc:sldLayoutMkLst>
-            <pc:docMk/>
-            <pc:sldMasterMk cId="2460954070" sldId="2147483660"/>
-            <pc:sldLayoutMk cId="2385387890" sldId="2147483661"/>
-          </pc:sldLayoutMkLst>
-        </pc:sldLayoutChg>
-        <pc:sldLayoutChg chg="del">
-          <pc:chgData name="Jarvi, Rachel C" userId="S::rachel.jarvi@uconn.edu::5f94c26e-36bc-415b-abfb-1d0877c450ca" providerId="AD" clId="Web-{54187DFC-061D-FFBF-F372-A73FF01ADBBD}" dt="2024-11-11T15:16:06.783" v="16"/>
-          <pc:sldLayoutMkLst>
-            <pc:docMk/>
-            <pc:sldMasterMk cId="2460954070" sldId="2147483660"/>
-            <pc:sldLayoutMk cId="949138452" sldId="2147483662"/>
-          </pc:sldLayoutMkLst>
-        </pc:sldLayoutChg>
-        <pc:sldLayoutChg chg="del">
-          <pc:chgData name="Jarvi, Rachel C" userId="S::rachel.jarvi@uconn.edu::5f94c26e-36bc-415b-abfb-1d0877c450ca" providerId="AD" clId="Web-{54187DFC-061D-FFBF-F372-A73FF01ADBBD}" dt="2024-11-11T15:16:06.783" v="16"/>
-          <pc:sldLayoutMkLst>
-            <pc:docMk/>
-            <pc:sldMasterMk cId="2460954070" sldId="2147483660"/>
-            <pc:sldLayoutMk cId="2591524520" sldId="2147483663"/>
-          </pc:sldLayoutMkLst>
-        </pc:sldLayoutChg>
-        <pc:sldLayoutChg chg="del">
-          <pc:chgData name="Jarvi, Rachel C" userId="S::rachel.jarvi@uconn.edu::5f94c26e-36bc-415b-abfb-1d0877c450ca" providerId="AD" clId="Web-{54187DFC-061D-FFBF-F372-A73FF01ADBBD}" dt="2024-11-11T15:16:06.783" v="16"/>
-          <pc:sldLayoutMkLst>
-            <pc:docMk/>
-            <pc:sldMasterMk cId="2460954070" sldId="2147483660"/>
-            <pc:sldLayoutMk cId="1203092039" sldId="2147483664"/>
-          </pc:sldLayoutMkLst>
-        </pc:sldLayoutChg>
-        <pc:sldLayoutChg chg="del">
-          <pc:chgData name="Jarvi, Rachel C" userId="S::rachel.jarvi@uconn.edu::5f94c26e-36bc-415b-abfb-1d0877c450ca" providerId="AD" clId="Web-{54187DFC-061D-FFBF-F372-A73FF01ADBBD}" dt="2024-11-11T15:16:06.783" v="16"/>
-          <pc:sldLayoutMkLst>
-            <pc:docMk/>
-            <pc:sldMasterMk cId="2460954070" sldId="2147483660"/>
-            <pc:sldLayoutMk cId="3733172339" sldId="2147483665"/>
-          </pc:sldLayoutMkLst>
-        </pc:sldLayoutChg>
-        <pc:sldLayoutChg chg="del">
-          <pc:chgData name="Jarvi, Rachel C" userId="S::rachel.jarvi@uconn.edu::5f94c26e-36bc-415b-abfb-1d0877c450ca" providerId="AD" clId="Web-{54187DFC-061D-FFBF-F372-A73FF01ADBBD}" dt="2024-11-11T15:16:06.783" v="16"/>
-          <pc:sldLayoutMkLst>
-            <pc:docMk/>
-            <pc:sldMasterMk cId="2460954070" sldId="2147483660"/>
-            <pc:sldLayoutMk cId="3210312558" sldId="2147483666"/>
-          </pc:sldLayoutMkLst>
-        </pc:sldLayoutChg>
-        <pc:sldLayoutChg chg="del">
-          <pc:chgData name="Jarvi, Rachel C" userId="S::rachel.jarvi@uconn.edu::5f94c26e-36bc-415b-abfb-1d0877c450ca" providerId="AD" clId="Web-{54187DFC-061D-FFBF-F372-A73FF01ADBBD}" dt="2024-11-11T15:16:06.783" v="16"/>
-          <pc:sldLayoutMkLst>
-            <pc:docMk/>
-            <pc:sldMasterMk cId="2460954070" sldId="2147483660"/>
-            <pc:sldLayoutMk cId="3146388984" sldId="2147483667"/>
-          </pc:sldLayoutMkLst>
-        </pc:sldLayoutChg>
-        <pc:sldLayoutChg chg="del">
-          <pc:chgData name="Jarvi, Rachel C" userId="S::rachel.jarvi@uconn.edu::5f94c26e-36bc-415b-abfb-1d0877c450ca" providerId="AD" clId="Web-{54187DFC-061D-FFBF-F372-A73FF01ADBBD}" dt="2024-11-11T15:16:06.783" v="16"/>
-          <pc:sldLayoutMkLst>
-            <pc:docMk/>
-            <pc:sldMasterMk cId="2460954070" sldId="2147483660"/>
-            <pc:sldLayoutMk cId="3171841454" sldId="2147483668"/>
-          </pc:sldLayoutMkLst>
-        </pc:sldLayoutChg>
-        <pc:sldLayoutChg chg="del">
-          <pc:chgData name="Jarvi, Rachel C" userId="S::rachel.jarvi@uconn.edu::5f94c26e-36bc-415b-abfb-1d0877c450ca" providerId="AD" clId="Web-{54187DFC-061D-FFBF-F372-A73FF01ADBBD}" dt="2024-11-11T15:16:06.783" v="16"/>
-          <pc:sldLayoutMkLst>
-            <pc:docMk/>
-            <pc:sldMasterMk cId="2460954070" sldId="2147483660"/>
-            <pc:sldLayoutMk cId="1718958274" sldId="2147483669"/>
-          </pc:sldLayoutMkLst>
-        </pc:sldLayoutChg>
-        <pc:sldLayoutChg chg="del">
-          <pc:chgData name="Jarvi, Rachel C" userId="S::rachel.jarvi@uconn.edu::5f94c26e-36bc-415b-abfb-1d0877c450ca" providerId="AD" clId="Web-{54187DFC-061D-FFBF-F372-A73FF01ADBBD}" dt="2024-11-11T15:16:06.783" v="16"/>
-          <pc:sldLayoutMkLst>
-            <pc:docMk/>
-            <pc:sldMasterMk cId="2460954070" sldId="2147483660"/>
-            <pc:sldLayoutMk cId="2202905451" sldId="2147483670"/>
-          </pc:sldLayoutMkLst>
-        </pc:sldLayoutChg>
-        <pc:sldLayoutChg chg="del">
-          <pc:chgData name="Jarvi, Rachel C" userId="S::rachel.jarvi@uconn.edu::5f94c26e-36bc-415b-abfb-1d0877c450ca" providerId="AD" clId="Web-{54187DFC-061D-FFBF-F372-A73FF01ADBBD}" dt="2024-11-11T15:16:06.783" v="16"/>
-          <pc:sldLayoutMkLst>
-            <pc:docMk/>
-            <pc:sldMasterMk cId="2460954070" sldId="2147483660"/>
-            <pc:sldLayoutMk cId="3479445657" sldId="2147483671"/>
-          </pc:sldLayoutMkLst>
-        </pc:sldLayoutChg>
-      </pc:sldMasterChg>
-      <pc:sldMasterChg chg="add addSldLayout">
-        <pc:chgData name="Jarvi, Rachel C" userId="S::rachel.jarvi@uconn.edu::5f94c26e-36bc-415b-abfb-1d0877c450ca" providerId="AD" clId="Web-{54187DFC-061D-FFBF-F372-A73FF01ADBBD}" dt="2024-11-11T15:16:06.783" v="16"/>
-        <pc:sldMasterMkLst>
-          <pc:docMk/>
-          <pc:sldMasterMk cId="4191993446" sldId="2147483711"/>
-        </pc:sldMasterMkLst>
-        <pc:sldLayoutChg chg="add">
-          <pc:chgData name="Jarvi, Rachel C" userId="S::rachel.jarvi@uconn.edu::5f94c26e-36bc-415b-abfb-1d0877c450ca" providerId="AD" clId="Web-{54187DFC-061D-FFBF-F372-A73FF01ADBBD}" dt="2024-11-11T15:16:06.783" v="16"/>
-          <pc:sldLayoutMkLst>
-            <pc:docMk/>
-            <pc:sldMasterMk cId="4191993446" sldId="2147483711"/>
-            <pc:sldLayoutMk cId="902605887" sldId="2147483700"/>
-          </pc:sldLayoutMkLst>
-        </pc:sldLayoutChg>
-        <pc:sldLayoutChg chg="add">
-          <pc:chgData name="Jarvi, Rachel C" userId="S::rachel.jarvi@uconn.edu::5f94c26e-36bc-415b-abfb-1d0877c450ca" providerId="AD" clId="Web-{54187DFC-061D-FFBF-F372-A73FF01ADBBD}" dt="2024-11-11T15:16:06.783" v="16"/>
-          <pc:sldLayoutMkLst>
-            <pc:docMk/>
-            <pc:sldMasterMk cId="4191993446" sldId="2147483711"/>
-            <pc:sldLayoutMk cId="2659724854" sldId="2147483701"/>
-          </pc:sldLayoutMkLst>
-        </pc:sldLayoutChg>
-        <pc:sldLayoutChg chg="add">
-          <pc:chgData name="Jarvi, Rachel C" userId="S::rachel.jarvi@uconn.edu::5f94c26e-36bc-415b-abfb-1d0877c450ca" providerId="AD" clId="Web-{54187DFC-061D-FFBF-F372-A73FF01ADBBD}" dt="2024-11-11T15:16:06.783" v="16"/>
-          <pc:sldLayoutMkLst>
-            <pc:docMk/>
-            <pc:sldMasterMk cId="4191993446" sldId="2147483711"/>
-            <pc:sldLayoutMk cId="489995739" sldId="2147483702"/>
-          </pc:sldLayoutMkLst>
-        </pc:sldLayoutChg>
-        <pc:sldLayoutChg chg="add">
-          <pc:chgData name="Jarvi, Rachel C" userId="S::rachel.jarvi@uconn.edu::5f94c26e-36bc-415b-abfb-1d0877c450ca" providerId="AD" clId="Web-{54187DFC-061D-FFBF-F372-A73FF01ADBBD}" dt="2024-11-11T15:16:06.783" v="16"/>
-          <pc:sldLayoutMkLst>
-            <pc:docMk/>
-            <pc:sldMasterMk cId="4191993446" sldId="2147483711"/>
-            <pc:sldLayoutMk cId="3982360791" sldId="2147483703"/>
-          </pc:sldLayoutMkLst>
-        </pc:sldLayoutChg>
-        <pc:sldLayoutChg chg="add">
-          <pc:chgData name="Jarvi, Rachel C" userId="S::rachel.jarvi@uconn.edu::5f94c26e-36bc-415b-abfb-1d0877c450ca" providerId="AD" clId="Web-{54187DFC-061D-FFBF-F372-A73FF01ADBBD}" dt="2024-11-11T15:16:06.783" v="16"/>
-          <pc:sldLayoutMkLst>
-            <pc:docMk/>
-            <pc:sldMasterMk cId="4191993446" sldId="2147483711"/>
-            <pc:sldLayoutMk cId="1080408756" sldId="2147483704"/>
-          </pc:sldLayoutMkLst>
-        </pc:sldLayoutChg>
-        <pc:sldLayoutChg chg="add">
-          <pc:chgData name="Jarvi, Rachel C" userId="S::rachel.jarvi@uconn.edu::5f94c26e-36bc-415b-abfb-1d0877c450ca" providerId="AD" clId="Web-{54187DFC-061D-FFBF-F372-A73FF01ADBBD}" dt="2024-11-11T15:16:06.783" v="16"/>
-          <pc:sldLayoutMkLst>
-            <pc:docMk/>
-            <pc:sldMasterMk cId="4191993446" sldId="2147483711"/>
-            <pc:sldLayoutMk cId="1936963180" sldId="2147483705"/>
-          </pc:sldLayoutMkLst>
-        </pc:sldLayoutChg>
-        <pc:sldLayoutChg chg="add">
-          <pc:chgData name="Jarvi, Rachel C" userId="S::rachel.jarvi@uconn.edu::5f94c26e-36bc-415b-abfb-1d0877c450ca" providerId="AD" clId="Web-{54187DFC-061D-FFBF-F372-A73FF01ADBBD}" dt="2024-11-11T15:16:06.783" v="16"/>
-          <pc:sldLayoutMkLst>
-            <pc:docMk/>
-            <pc:sldMasterMk cId="4191993446" sldId="2147483711"/>
-            <pc:sldLayoutMk cId="3050590801" sldId="2147483706"/>
-          </pc:sldLayoutMkLst>
-        </pc:sldLayoutChg>
-        <pc:sldLayoutChg chg="add">
-          <pc:chgData name="Jarvi, Rachel C" userId="S::rachel.jarvi@uconn.edu::5f94c26e-36bc-415b-abfb-1d0877c450ca" providerId="AD" clId="Web-{54187DFC-061D-FFBF-F372-A73FF01ADBBD}" dt="2024-11-11T15:16:06.783" v="16"/>
-          <pc:sldLayoutMkLst>
-            <pc:docMk/>
-            <pc:sldMasterMk cId="4191993446" sldId="2147483711"/>
-            <pc:sldLayoutMk cId="196259462" sldId="2147483707"/>
-          </pc:sldLayoutMkLst>
-        </pc:sldLayoutChg>
-        <pc:sldLayoutChg chg="add">
-          <pc:chgData name="Jarvi, Rachel C" userId="S::rachel.jarvi@uconn.edu::5f94c26e-36bc-415b-abfb-1d0877c450ca" providerId="AD" clId="Web-{54187DFC-061D-FFBF-F372-A73FF01ADBBD}" dt="2024-11-11T15:16:06.783" v="16"/>
-          <pc:sldLayoutMkLst>
-            <pc:docMk/>
-            <pc:sldMasterMk cId="4191993446" sldId="2147483711"/>
-            <pc:sldLayoutMk cId="3345439261" sldId="2147483708"/>
-          </pc:sldLayoutMkLst>
-        </pc:sldLayoutChg>
-        <pc:sldLayoutChg chg="add">
-          <pc:chgData name="Jarvi, Rachel C" userId="S::rachel.jarvi@uconn.edu::5f94c26e-36bc-415b-abfb-1d0877c450ca" providerId="AD" clId="Web-{54187DFC-061D-FFBF-F372-A73FF01ADBBD}" dt="2024-11-11T15:16:06.783" v="16"/>
-          <pc:sldLayoutMkLst>
-            <pc:docMk/>
-            <pc:sldMasterMk cId="4191993446" sldId="2147483711"/>
-            <pc:sldLayoutMk cId="206842913" sldId="2147483709"/>
-          </pc:sldLayoutMkLst>
-        </pc:sldLayoutChg>
-        <pc:sldLayoutChg chg="add">
-          <pc:chgData name="Jarvi, Rachel C" userId="S::rachel.jarvi@uconn.edu::5f94c26e-36bc-415b-abfb-1d0877c450ca" providerId="AD" clId="Web-{54187DFC-061D-FFBF-F372-A73FF01ADBBD}" dt="2024-11-11T15:16:06.783" v="16"/>
-          <pc:sldLayoutMkLst>
-            <pc:docMk/>
-            <pc:sldMasterMk cId="4191993446" sldId="2147483711"/>
-            <pc:sldLayoutMk cId="4175745642" sldId="2147483710"/>
-          </pc:sldLayoutMkLst>
-        </pc:sldLayoutChg>
-      </pc:sldMasterChg>
     </pc:docChg>
   </pc:docChgLst>
   <pc:docChgLst>
@@ -944,213 +272,6 @@
             <ac:spMk id="3" creationId="{69DC73C4-ED0B-7D63-FD7D-17E11DDB0D2B}"/>
           </ac:spMkLst>
         </pc:spChg>
-      </pc:sldChg>
-    </pc:docChg>
-  </pc:docChgLst>
-  <pc:docChgLst>
-    <pc:chgData name="Jarvi, Rachel C" userId="5f94c26e-36bc-415b-abfb-1d0877c450ca" providerId="ADAL" clId="{96E51D0A-62A1-8D4D-9B98-FCF2928BAA28}"/>
-    <pc:docChg chg="undo custSel modSld">
-      <pc:chgData name="Jarvi, Rachel C" userId="5f94c26e-36bc-415b-abfb-1d0877c450ca" providerId="ADAL" clId="{96E51D0A-62A1-8D4D-9B98-FCF2928BAA28}" dt="2024-11-13T23:46:10.265" v="568" actId="1076"/>
-      <pc:docMkLst>
-        <pc:docMk/>
-      </pc:docMkLst>
-      <pc:sldChg chg="addSp modSp">
-        <pc:chgData name="Jarvi, Rachel C" userId="5f94c26e-36bc-415b-abfb-1d0877c450ca" providerId="ADAL" clId="{96E51D0A-62A1-8D4D-9B98-FCF2928BAA28}" dt="2024-11-13T23:46:10.265" v="568" actId="1076"/>
-        <pc:sldMkLst>
-          <pc:docMk/>
-          <pc:sldMk cId="237981053" sldId="259"/>
-        </pc:sldMkLst>
-        <pc:spChg chg="mod">
-          <ac:chgData name="Jarvi, Rachel C" userId="5f94c26e-36bc-415b-abfb-1d0877c450ca" providerId="ADAL" clId="{96E51D0A-62A1-8D4D-9B98-FCF2928BAA28}" dt="2024-11-13T23:43:02.191" v="545" actId="1076"/>
-          <ac:spMkLst>
-            <pc:docMk/>
-            <pc:sldMk cId="237981053" sldId="259"/>
-            <ac:spMk id="3" creationId="{D9B020B8-69AA-FB95-638B-982C100C07B6}"/>
-          </ac:spMkLst>
-        </pc:spChg>
-        <pc:picChg chg="add mod">
-          <ac:chgData name="Jarvi, Rachel C" userId="5f94c26e-36bc-415b-abfb-1d0877c450ca" providerId="ADAL" clId="{96E51D0A-62A1-8D4D-9B98-FCF2928BAA28}" dt="2024-11-13T23:43:46.443" v="555" actId="1076"/>
-          <ac:picMkLst>
-            <pc:docMk/>
-            <pc:sldMk cId="237981053" sldId="259"/>
-            <ac:picMk id="4" creationId="{2BA8F7B2-2FED-92D6-59F5-F8654AC0ABFA}"/>
-          </ac:picMkLst>
-        </pc:picChg>
-        <pc:picChg chg="add mod">
-          <ac:chgData name="Jarvi, Rachel C" userId="5f94c26e-36bc-415b-abfb-1d0877c450ca" providerId="ADAL" clId="{96E51D0A-62A1-8D4D-9B98-FCF2928BAA28}" dt="2024-11-13T23:43:37.109" v="554" actId="14100"/>
-          <ac:picMkLst>
-            <pc:docMk/>
-            <pc:sldMk cId="237981053" sldId="259"/>
-            <ac:picMk id="5" creationId="{EBFC7D84-250F-ABA3-BADC-A0F660618BDB}"/>
-          </ac:picMkLst>
-        </pc:picChg>
-        <pc:picChg chg="add mod">
-          <ac:chgData name="Jarvi, Rachel C" userId="5f94c26e-36bc-415b-abfb-1d0877c450ca" providerId="ADAL" clId="{96E51D0A-62A1-8D4D-9B98-FCF2928BAA28}" dt="2024-11-13T23:43:24.075" v="551" actId="1076"/>
-          <ac:picMkLst>
-            <pc:docMk/>
-            <pc:sldMk cId="237981053" sldId="259"/>
-            <ac:picMk id="6" creationId="{F7D16A4F-FB61-C4EE-AFC5-5104B28B6F17}"/>
-          </ac:picMkLst>
-        </pc:picChg>
-        <pc:picChg chg="add mod modCrop">
-          <ac:chgData name="Jarvi, Rachel C" userId="5f94c26e-36bc-415b-abfb-1d0877c450ca" providerId="ADAL" clId="{96E51D0A-62A1-8D4D-9B98-FCF2928BAA28}" dt="2024-11-13T23:44:03.094" v="557" actId="1076"/>
-          <ac:picMkLst>
-            <pc:docMk/>
-            <pc:sldMk cId="237981053" sldId="259"/>
-            <ac:picMk id="7" creationId="{35C35FEE-45B0-8D4A-9343-178839363DE9}"/>
-          </ac:picMkLst>
-        </pc:picChg>
-        <pc:picChg chg="add mod">
-          <ac:chgData name="Jarvi, Rachel C" userId="5f94c26e-36bc-415b-abfb-1d0877c450ca" providerId="ADAL" clId="{96E51D0A-62A1-8D4D-9B98-FCF2928BAA28}" dt="2024-11-13T23:45:04.779" v="560" actId="1076"/>
-          <ac:picMkLst>
-            <pc:docMk/>
-            <pc:sldMk cId="237981053" sldId="259"/>
-            <ac:picMk id="8" creationId="{0AC29C5A-ECF4-1A78-49C0-A25A9B2D39C2}"/>
-          </ac:picMkLst>
-        </pc:picChg>
-        <pc:picChg chg="add mod modCrop">
-          <ac:chgData name="Jarvi, Rachel C" userId="5f94c26e-36bc-415b-abfb-1d0877c450ca" providerId="ADAL" clId="{96E51D0A-62A1-8D4D-9B98-FCF2928BAA28}" dt="2024-11-13T23:44:19.928" v="559" actId="14100"/>
-          <ac:picMkLst>
-            <pc:docMk/>
-            <pc:sldMk cId="237981053" sldId="259"/>
-            <ac:picMk id="10" creationId="{51F3EC71-1EE5-7609-F8D0-62E8032828A0}"/>
-          </ac:picMkLst>
-        </pc:picChg>
-        <pc:picChg chg="add mod">
-          <ac:chgData name="Jarvi, Rachel C" userId="5f94c26e-36bc-415b-abfb-1d0877c450ca" providerId="ADAL" clId="{96E51D0A-62A1-8D4D-9B98-FCF2928BAA28}" dt="2024-11-13T23:46:10.265" v="568" actId="1076"/>
-          <ac:picMkLst>
-            <pc:docMk/>
-            <pc:sldMk cId="237981053" sldId="259"/>
-            <ac:picMk id="12" creationId="{1F33D2EA-CE61-D8E1-0F52-BA62B4D2D611}"/>
-          </ac:picMkLst>
-        </pc:picChg>
-      </pc:sldChg>
-      <pc:sldChg chg="modSp">
-        <pc:chgData name="Jarvi, Rachel C" userId="5f94c26e-36bc-415b-abfb-1d0877c450ca" providerId="ADAL" clId="{96E51D0A-62A1-8D4D-9B98-FCF2928BAA28}" dt="2024-11-13T23:24:03.858" v="470" actId="20577"/>
-        <pc:sldMkLst>
-          <pc:docMk/>
-          <pc:sldMk cId="3493009253" sldId="264"/>
-        </pc:sldMkLst>
-        <pc:spChg chg="mod">
-          <ac:chgData name="Jarvi, Rachel C" userId="5f94c26e-36bc-415b-abfb-1d0877c450ca" providerId="ADAL" clId="{96E51D0A-62A1-8D4D-9B98-FCF2928BAA28}" dt="2024-11-13T23:24:03.858" v="470" actId="20577"/>
-          <ac:spMkLst>
-            <pc:docMk/>
-            <pc:sldMk cId="3493009253" sldId="264"/>
-            <ac:spMk id="3" creationId="{D9B020B8-69AA-FB95-638B-982C100C07B6}"/>
-          </ac:spMkLst>
-        </pc:spChg>
-        <pc:picChg chg="mod">
-          <ac:chgData name="Jarvi, Rachel C" userId="5f94c26e-36bc-415b-abfb-1d0877c450ca" providerId="ADAL" clId="{96E51D0A-62A1-8D4D-9B98-FCF2928BAA28}" dt="2024-11-13T23:23:23.578" v="441" actId="1076"/>
-          <ac:picMkLst>
-            <pc:docMk/>
-            <pc:sldMk cId="3493009253" sldId="264"/>
-            <ac:picMk id="8" creationId="{01AA50AE-1118-5847-9389-C668630CDFD5}"/>
-          </ac:picMkLst>
-        </pc:picChg>
-      </pc:sldChg>
-    </pc:docChg>
-  </pc:docChgLst>
-  <pc:docChgLst>
-    <pc:chgData name="Rendero, Dominic V" userId="S::dominic.rendero@uconn.edu::6d21d9c4-1e14-476c-8422-cfe29e02369b" providerId="AD" clId="Web-{6F0D86E8-E24B-A06A-B0B6-5CD8F2761008}"/>
-    <pc:docChg chg="modSld">
-      <pc:chgData name="Rendero, Dominic V" userId="S::dominic.rendero@uconn.edu::6d21d9c4-1e14-476c-8422-cfe29e02369b" providerId="AD" clId="Web-{6F0D86E8-E24B-A06A-B0B6-5CD8F2761008}" dt="2024-11-15T16:16:00.892" v="152" actId="20577"/>
-      <pc:docMkLst>
-        <pc:docMk/>
-      </pc:docMkLst>
-      <pc:sldChg chg="addSp delSp modSp">
-        <pc:chgData name="Rendero, Dominic V" userId="S::dominic.rendero@uconn.edu::6d21d9c4-1e14-476c-8422-cfe29e02369b" providerId="AD" clId="Web-{6F0D86E8-E24B-A06A-B0B6-5CD8F2761008}" dt="2024-11-15T16:16:00.892" v="152" actId="20577"/>
-        <pc:sldMkLst>
-          <pc:docMk/>
-          <pc:sldMk cId="759631458" sldId="260"/>
-        </pc:sldMkLst>
-        <pc:spChg chg="mod">
-          <ac:chgData name="Rendero, Dominic V" userId="S::dominic.rendero@uconn.edu::6d21d9c4-1e14-476c-8422-cfe29e02369b" providerId="AD" clId="Web-{6F0D86E8-E24B-A06A-B0B6-5CD8F2761008}" dt="2024-11-15T16:16:00.892" v="152" actId="20577"/>
-          <ac:spMkLst>
-            <pc:docMk/>
-            <pc:sldMk cId="759631458" sldId="260"/>
-            <ac:spMk id="3" creationId="{D9B020B8-69AA-FB95-638B-982C100C07B6}"/>
-          </ac:spMkLst>
-        </pc:spChg>
-        <pc:spChg chg="add mod">
-          <ac:chgData name="Rendero, Dominic V" userId="S::dominic.rendero@uconn.edu::6d21d9c4-1e14-476c-8422-cfe29e02369b" providerId="AD" clId="Web-{6F0D86E8-E24B-A06A-B0B6-5CD8F2761008}" dt="2024-11-15T16:10:51.831" v="104"/>
-          <ac:spMkLst>
-            <pc:docMk/>
-            <pc:sldMk cId="759631458" sldId="260"/>
-            <ac:spMk id="8" creationId="{4FCD39A0-F81D-FDEB-E11A-AA5C5092CE05}"/>
-          </ac:spMkLst>
-        </pc:spChg>
-        <pc:spChg chg="add mod">
-          <ac:chgData name="Rendero, Dominic V" userId="S::dominic.rendero@uconn.edu::6d21d9c4-1e14-476c-8422-cfe29e02369b" providerId="AD" clId="Web-{6F0D86E8-E24B-A06A-B0B6-5CD8F2761008}" dt="2024-11-15T16:13:36.174" v="133" actId="1076"/>
-          <ac:spMkLst>
-            <pc:docMk/>
-            <pc:sldMk cId="759631458" sldId="260"/>
-            <ac:spMk id="11" creationId="{A14AA576-66DA-20F6-CEF5-977E4B3FE478}"/>
-          </ac:spMkLst>
-        </pc:spChg>
-        <pc:spChg chg="add mod">
-          <ac:chgData name="Rendero, Dominic V" userId="S::dominic.rendero@uconn.edu::6d21d9c4-1e14-476c-8422-cfe29e02369b" providerId="AD" clId="Web-{6F0D86E8-E24B-A06A-B0B6-5CD8F2761008}" dt="2024-11-15T16:14:01.643" v="146" actId="1076"/>
-          <ac:spMkLst>
-            <pc:docMk/>
-            <pc:sldMk cId="759631458" sldId="260"/>
-            <ac:spMk id="12" creationId="{37999EE5-6572-0E42-3E30-5FCD77125868}"/>
-          </ac:spMkLst>
-        </pc:spChg>
-        <pc:spChg chg="add mod">
-          <ac:chgData name="Rendero, Dominic V" userId="S::dominic.rendero@uconn.edu::6d21d9c4-1e14-476c-8422-cfe29e02369b" providerId="AD" clId="Web-{6F0D86E8-E24B-A06A-B0B6-5CD8F2761008}" dt="2024-11-15T16:13:53.330" v="142" actId="1076"/>
-          <ac:spMkLst>
-            <pc:docMk/>
-            <pc:sldMk cId="759631458" sldId="260"/>
-            <ac:spMk id="13" creationId="{E34714A1-A02F-1154-EC75-88052D811173}"/>
-          </ac:spMkLst>
-        </pc:spChg>
-        <pc:picChg chg="add mod">
-          <ac:chgData name="Rendero, Dominic V" userId="S::dominic.rendero@uconn.edu::6d21d9c4-1e14-476c-8422-cfe29e02369b" providerId="AD" clId="Web-{6F0D86E8-E24B-A06A-B0B6-5CD8F2761008}" dt="2024-11-15T16:07:02.051" v="99" actId="1076"/>
-          <ac:picMkLst>
-            <pc:docMk/>
-            <pc:sldMk cId="759631458" sldId="260"/>
-            <ac:picMk id="4" creationId="{23D7A5BD-B69C-68D8-E03C-4DEA0E442213}"/>
-          </ac:picMkLst>
-        </pc:picChg>
-        <pc:picChg chg="add mod">
-          <ac:chgData name="Rendero, Dominic V" userId="S::dominic.rendero@uconn.edu::6d21d9c4-1e14-476c-8422-cfe29e02369b" providerId="AD" clId="Web-{6F0D86E8-E24B-A06A-B0B6-5CD8F2761008}" dt="2024-11-15T16:05:32.098" v="89" actId="1076"/>
-          <ac:picMkLst>
-            <pc:docMk/>
-            <pc:sldMk cId="759631458" sldId="260"/>
-            <ac:picMk id="5" creationId="{FE102ABB-BBC3-0F95-3AFF-B3E3806BE14B}"/>
-          </ac:picMkLst>
-        </pc:picChg>
-        <pc:picChg chg="add del mod">
-          <ac:chgData name="Rendero, Dominic V" userId="S::dominic.rendero@uconn.edu::6d21d9c4-1e14-476c-8422-cfe29e02369b" providerId="AD" clId="Web-{6F0D86E8-E24B-A06A-B0B6-5CD8F2761008}" dt="2024-11-15T16:06:39.863" v="93"/>
-          <ac:picMkLst>
-            <pc:docMk/>
-            <pc:sldMk cId="759631458" sldId="260"/>
-            <ac:picMk id="6" creationId="{088E294F-4C1B-D867-418B-C9733655AEE6}"/>
-          </ac:picMkLst>
-        </pc:picChg>
-        <pc:picChg chg="add mod">
-          <ac:chgData name="Rendero, Dominic V" userId="S::dominic.rendero@uconn.edu::6d21d9c4-1e14-476c-8422-cfe29e02369b" providerId="AD" clId="Web-{6F0D86E8-E24B-A06A-B0B6-5CD8F2761008}" dt="2024-11-15T16:06:59.988" v="98" actId="1076"/>
-          <ac:picMkLst>
-            <pc:docMk/>
-            <pc:sldMk cId="759631458" sldId="260"/>
-            <ac:picMk id="7" creationId="{74B27C0C-B5A7-601A-5598-DDC9D3C461F6}"/>
-          </ac:picMkLst>
-        </pc:picChg>
-        <pc:picChg chg="add mod">
-          <ac:chgData name="Rendero, Dominic V" userId="S::dominic.rendero@uconn.edu::6d21d9c4-1e14-476c-8422-cfe29e02369b" providerId="AD" clId="Web-{6F0D86E8-E24B-A06A-B0B6-5CD8F2761008}" dt="2024-11-15T16:13:36.158" v="131" actId="1076"/>
-          <ac:picMkLst>
-            <pc:docMk/>
-            <pc:sldMk cId="759631458" sldId="260"/>
-            <ac:picMk id="9" creationId="{6E2CA7EF-E11A-3E7F-1029-FD3282ED138F}"/>
-          </ac:picMkLst>
-        </pc:picChg>
-        <pc:picChg chg="add mod">
-          <ac:chgData name="Rendero, Dominic V" userId="S::dominic.rendero@uconn.edu::6d21d9c4-1e14-476c-8422-cfe29e02369b" providerId="AD" clId="Web-{6F0D86E8-E24B-A06A-B0B6-5CD8F2761008}" dt="2024-11-15T16:13:36.158" v="132" actId="1076"/>
-          <ac:picMkLst>
-            <pc:docMk/>
-            <pc:sldMk cId="759631458" sldId="260"/>
-            <ac:picMk id="10" creationId="{1E3E936F-6252-9B73-AED6-ACAE65D7131F}"/>
-          </ac:picMkLst>
-        </pc:picChg>
       </pc:sldChg>
     </pc:docChg>
   </pc:docChgLst>
@@ -1232,26 +353,690 @@
     </pc:docChg>
   </pc:docChgLst>
   <pc:docChgLst>
-    <pc:chgData name="Jarvi, Rachel C" userId="S::rachel.jarvi@uconn.edu::5f94c26e-36bc-415b-abfb-1d0877c450ca" providerId="AD" clId="Web-{BF452B15-AB70-920A-AA57-8425BA5FDA28}"/>
-    <pc:docChg chg="modSld">
-      <pc:chgData name="Jarvi, Rachel C" userId="S::rachel.jarvi@uconn.edu::5f94c26e-36bc-415b-abfb-1d0877c450ca" providerId="AD" clId="Web-{BF452B15-AB70-920A-AA57-8425BA5FDA28}" dt="2024-11-12T18:17:39.149" v="0" actId="20577"/>
+    <pc:chgData name="Jarvi, Rachel C" userId="S::rachel.jarvi@uconn.edu::5f94c26e-36bc-415b-abfb-1d0877c450ca" providerId="AD" clId="Web-{7C7D7AC8-ADFC-F35D-C54C-F4B2A8F166EB}"/>
+    <pc:docChg chg="addSld modSld">
+      <pc:chgData name="Jarvi, Rachel C" userId="S::rachel.jarvi@uconn.edu::5f94c26e-36bc-415b-abfb-1d0877c450ca" providerId="AD" clId="Web-{7C7D7AC8-ADFC-F35D-C54C-F4B2A8F166EB}" dt="2024-11-13T19:30:09.944" v="728" actId="20577"/>
       <pc:docMkLst>
         <pc:docMk/>
       </pc:docMkLst>
       <pc:sldChg chg="modSp">
-        <pc:chgData name="Jarvi, Rachel C" userId="S::rachel.jarvi@uconn.edu::5f94c26e-36bc-415b-abfb-1d0877c450ca" providerId="AD" clId="Web-{BF452B15-AB70-920A-AA57-8425BA5FDA28}" dt="2024-11-12T18:17:39.149" v="0" actId="20577"/>
+        <pc:chgData name="Jarvi, Rachel C" userId="S::rachel.jarvi@uconn.edu::5f94c26e-36bc-415b-abfb-1d0877c450ca" providerId="AD" clId="Web-{7C7D7AC8-ADFC-F35D-C54C-F4B2A8F166EB}" dt="2024-11-13T18:51:36.842" v="16" actId="20577"/>
+        <pc:sldMkLst>
+          <pc:docMk/>
+          <pc:sldMk cId="3621657562" sldId="257"/>
+        </pc:sldMkLst>
+        <pc:spChg chg="mod">
+          <ac:chgData name="Jarvi, Rachel C" userId="S::rachel.jarvi@uconn.edu::5f94c26e-36bc-415b-abfb-1d0877c450ca" providerId="AD" clId="Web-{7C7D7AC8-ADFC-F35D-C54C-F4B2A8F166EB}" dt="2024-11-13T18:51:36.842" v="16" actId="20577"/>
+          <ac:spMkLst>
+            <pc:docMk/>
+            <pc:sldMk cId="3621657562" sldId="257"/>
+            <ac:spMk id="3" creationId="{D9B020B8-69AA-FB95-638B-982C100C07B6}"/>
+          </ac:spMkLst>
+        </pc:spChg>
+      </pc:sldChg>
+      <pc:sldChg chg="addSp delSp modSp">
+        <pc:chgData name="Jarvi, Rachel C" userId="S::rachel.jarvi@uconn.edu::5f94c26e-36bc-415b-abfb-1d0877c450ca" providerId="AD" clId="Web-{7C7D7AC8-ADFC-F35D-C54C-F4B2A8F166EB}" dt="2024-11-13T19:12:18.887" v="283" actId="20577"/>
+        <pc:sldMkLst>
+          <pc:docMk/>
+          <pc:sldMk cId="1919512088" sldId="258"/>
+        </pc:sldMkLst>
+        <pc:spChg chg="mod">
+          <ac:chgData name="Jarvi, Rachel C" userId="S::rachel.jarvi@uconn.edu::5f94c26e-36bc-415b-abfb-1d0877c450ca" providerId="AD" clId="Web-{7C7D7AC8-ADFC-F35D-C54C-F4B2A8F166EB}" dt="2024-11-13T19:12:18.887" v="283" actId="20577"/>
+          <ac:spMkLst>
+            <pc:docMk/>
+            <pc:sldMk cId="1919512088" sldId="258"/>
+            <ac:spMk id="3" creationId="{D9B020B8-69AA-FB95-638B-982C100C07B6}"/>
+          </ac:spMkLst>
+        </pc:spChg>
+        <pc:picChg chg="add mod modCrop">
+          <ac:chgData name="Jarvi, Rachel C" userId="S::rachel.jarvi@uconn.edu::5f94c26e-36bc-415b-abfb-1d0877c450ca" providerId="AD" clId="Web-{7C7D7AC8-ADFC-F35D-C54C-F4B2A8F166EB}" dt="2024-11-13T19:11:45.730" v="260"/>
+          <ac:picMkLst>
+            <pc:docMk/>
+            <pc:sldMk cId="1919512088" sldId="258"/>
+            <ac:picMk id="5" creationId="{6A5D6368-96D6-F066-9673-9B2644A39F02}"/>
+          </ac:picMkLst>
+        </pc:picChg>
+      </pc:sldChg>
+      <pc:sldChg chg="modSp">
+        <pc:chgData name="Jarvi, Rachel C" userId="S::rachel.jarvi@uconn.edu::5f94c26e-36bc-415b-abfb-1d0877c450ca" providerId="AD" clId="Web-{7C7D7AC8-ADFC-F35D-C54C-F4B2A8F166EB}" dt="2024-11-13T18:53:29.891" v="35" actId="20577"/>
+        <pc:sldMkLst>
+          <pc:docMk/>
+          <pc:sldMk cId="237981053" sldId="259"/>
+        </pc:sldMkLst>
+        <pc:spChg chg="mod">
+          <ac:chgData name="Jarvi, Rachel C" userId="S::rachel.jarvi@uconn.edu::5f94c26e-36bc-415b-abfb-1d0877c450ca" providerId="AD" clId="Web-{7C7D7AC8-ADFC-F35D-C54C-F4B2A8F166EB}" dt="2024-11-13T18:53:29.891" v="35" actId="20577"/>
+          <ac:spMkLst>
+            <pc:docMk/>
+            <pc:sldMk cId="237981053" sldId="259"/>
+            <ac:spMk id="3" creationId="{D9B020B8-69AA-FB95-638B-982C100C07B6}"/>
+          </ac:spMkLst>
+        </pc:spChg>
+      </pc:sldChg>
+      <pc:sldChg chg="addSp delSp modSp">
+        <pc:chgData name="Jarvi, Rachel C" userId="S::rachel.jarvi@uconn.edu::5f94c26e-36bc-415b-abfb-1d0877c450ca" providerId="AD" clId="Web-{7C7D7AC8-ADFC-F35D-C54C-F4B2A8F166EB}" dt="2024-11-13T19:27:29.378" v="641" actId="14100"/>
+        <pc:sldMkLst>
+          <pc:docMk/>
+          <pc:sldMk cId="208975706" sldId="261"/>
+        </pc:sldMkLst>
+        <pc:spChg chg="mod">
+          <ac:chgData name="Jarvi, Rachel C" userId="S::rachel.jarvi@uconn.edu::5f94c26e-36bc-415b-abfb-1d0877c450ca" providerId="AD" clId="Web-{7C7D7AC8-ADFC-F35D-C54C-F4B2A8F166EB}" dt="2024-11-13T19:27:29.378" v="641" actId="14100"/>
+          <ac:spMkLst>
+            <pc:docMk/>
+            <pc:sldMk cId="208975706" sldId="261"/>
+            <ac:spMk id="3" creationId="{569BF01D-2624-1CB1-4D56-04AB44CD5EC9}"/>
+          </ac:spMkLst>
+        </pc:spChg>
+        <pc:picChg chg="add mod">
+          <ac:chgData name="Jarvi, Rachel C" userId="S::rachel.jarvi@uconn.edu::5f94c26e-36bc-415b-abfb-1d0877c450ca" providerId="AD" clId="Web-{7C7D7AC8-ADFC-F35D-C54C-F4B2A8F166EB}" dt="2024-11-13T19:26:01.938" v="604" actId="1076"/>
+          <ac:picMkLst>
+            <pc:docMk/>
+            <pc:sldMk cId="208975706" sldId="261"/>
+            <ac:picMk id="5" creationId="{FB393090-D7B6-BCB3-9B48-0509589CF32E}"/>
+          </ac:picMkLst>
+        </pc:picChg>
+      </pc:sldChg>
+      <pc:sldChg chg="addSp delSp modSp">
+        <pc:chgData name="Jarvi, Rachel C" userId="S::rachel.jarvi@uconn.edu::5f94c26e-36bc-415b-abfb-1d0877c450ca" providerId="AD" clId="Web-{7C7D7AC8-ADFC-F35D-C54C-F4B2A8F166EB}" dt="2024-11-13T19:28:53.239" v="666" actId="1076"/>
+        <pc:sldMkLst>
+          <pc:docMk/>
+          <pc:sldMk cId="693929850" sldId="262"/>
+        </pc:sldMkLst>
+        <pc:spChg chg="add mod">
+          <ac:chgData name="Jarvi, Rachel C" userId="S::rachel.jarvi@uconn.edu::5f94c26e-36bc-415b-abfb-1d0877c450ca" providerId="AD" clId="Web-{7C7D7AC8-ADFC-F35D-C54C-F4B2A8F166EB}" dt="2024-11-13T19:28:53.239" v="666" actId="1076"/>
+          <ac:spMkLst>
+            <pc:docMk/>
+            <pc:sldMk cId="693929850" sldId="262"/>
+            <ac:spMk id="5" creationId="{5C6FAAC2-4FD0-698F-FFCD-AD5F841230E7}"/>
+          </ac:spMkLst>
+        </pc:spChg>
+        <pc:picChg chg="add mod ord">
+          <ac:chgData name="Jarvi, Rachel C" userId="S::rachel.jarvi@uconn.edu::5f94c26e-36bc-415b-abfb-1d0877c450ca" providerId="AD" clId="Web-{7C7D7AC8-ADFC-F35D-C54C-F4B2A8F166EB}" dt="2024-11-13T19:14:19.546" v="287" actId="1076"/>
+          <ac:picMkLst>
+            <pc:docMk/>
+            <pc:sldMk cId="693929850" sldId="262"/>
+            <ac:picMk id="4" creationId="{DEC6F89D-F4D2-695F-A245-11E84FB2A4E9}"/>
+          </ac:picMkLst>
+        </pc:picChg>
+      </pc:sldChg>
+      <pc:sldChg chg="modSp">
+        <pc:chgData name="Jarvi, Rachel C" userId="S::rachel.jarvi@uconn.edu::5f94c26e-36bc-415b-abfb-1d0877c450ca" providerId="AD" clId="Web-{7C7D7AC8-ADFC-F35D-C54C-F4B2A8F166EB}" dt="2024-11-13T19:29:04.583" v="674" actId="20577"/>
+        <pc:sldMkLst>
+          <pc:docMk/>
+          <pc:sldMk cId="3012295971" sldId="263"/>
+        </pc:sldMkLst>
+      </pc:sldChg>
+      <pc:sldChg chg="addSp modSp add replId">
+        <pc:chgData name="Jarvi, Rachel C" userId="S::rachel.jarvi@uconn.edu::5f94c26e-36bc-415b-abfb-1d0877c450ca" providerId="AD" clId="Web-{7C7D7AC8-ADFC-F35D-C54C-F4B2A8F166EB}" dt="2024-11-13T19:08:27.710" v="250" actId="1076"/>
+        <pc:sldMkLst>
+          <pc:docMk/>
+          <pc:sldMk cId="3493009253" sldId="264"/>
+        </pc:sldMkLst>
+        <pc:spChg chg="mod">
+          <ac:chgData name="Jarvi, Rachel C" userId="S::rachel.jarvi@uconn.edu::5f94c26e-36bc-415b-abfb-1d0877c450ca" providerId="AD" clId="Web-{7C7D7AC8-ADFC-F35D-C54C-F4B2A8F166EB}" dt="2024-11-13T18:53:53.798" v="40" actId="20577"/>
+          <ac:spMkLst>
+            <pc:docMk/>
+            <pc:sldMk cId="3493009253" sldId="264"/>
+            <ac:spMk id="2" creationId="{A66246BF-C2B5-B7F4-DB8D-ADC4F8CF85A0}"/>
+          </ac:spMkLst>
+        </pc:spChg>
+        <pc:spChg chg="mod">
+          <ac:chgData name="Jarvi, Rachel C" userId="S::rachel.jarvi@uconn.edu::5f94c26e-36bc-415b-abfb-1d0877c450ca" providerId="AD" clId="Web-{7C7D7AC8-ADFC-F35D-C54C-F4B2A8F166EB}" dt="2024-11-13T19:03:48.656" v="206" actId="20577"/>
+          <ac:spMkLst>
+            <pc:docMk/>
+            <pc:sldMk cId="3493009253" sldId="264"/>
+            <ac:spMk id="3" creationId="{D9B020B8-69AA-FB95-638B-982C100C07B6}"/>
+          </ac:spMkLst>
+        </pc:spChg>
+        <pc:spChg chg="add mod">
+          <ac:chgData name="Jarvi, Rachel C" userId="S::rachel.jarvi@uconn.edu::5f94c26e-36bc-415b-abfb-1d0877c450ca" providerId="AD" clId="Web-{7C7D7AC8-ADFC-F35D-C54C-F4B2A8F166EB}" dt="2024-11-13T19:08:16.616" v="247" actId="1076"/>
+          <ac:spMkLst>
+            <pc:docMk/>
+            <pc:sldMk cId="3493009253" sldId="264"/>
+            <ac:spMk id="6" creationId="{023979FC-012B-EC76-CEA5-A32643288D86}"/>
+          </ac:spMkLst>
+        </pc:spChg>
+        <pc:spChg chg="add mod">
+          <ac:chgData name="Jarvi, Rachel C" userId="S::rachel.jarvi@uconn.edu::5f94c26e-36bc-415b-abfb-1d0877c450ca" providerId="AD" clId="Web-{7C7D7AC8-ADFC-F35D-C54C-F4B2A8F166EB}" dt="2024-11-13T19:08:16.631" v="248" actId="1076"/>
+          <ac:spMkLst>
+            <pc:docMk/>
+            <pc:sldMk cId="3493009253" sldId="264"/>
+            <ac:spMk id="7" creationId="{C43C9AFB-B935-5D2D-04FE-7FA0109B6944}"/>
+          </ac:spMkLst>
+        </pc:spChg>
+        <pc:picChg chg="add mod">
+          <ac:chgData name="Jarvi, Rachel C" userId="S::rachel.jarvi@uconn.edu::5f94c26e-36bc-415b-abfb-1d0877c450ca" providerId="AD" clId="Web-{7C7D7AC8-ADFC-F35D-C54C-F4B2A8F166EB}" dt="2024-11-13T19:08:16.600" v="245" actId="1076"/>
+          <ac:picMkLst>
+            <pc:docMk/>
+            <pc:sldMk cId="3493009253" sldId="264"/>
+            <ac:picMk id="4" creationId="{4BBEF1F6-65C6-6878-029E-34D15BBD4E15}"/>
+          </ac:picMkLst>
+        </pc:picChg>
+        <pc:picChg chg="add mod">
+          <ac:chgData name="Jarvi, Rachel C" userId="S::rachel.jarvi@uconn.edu::5f94c26e-36bc-415b-abfb-1d0877c450ca" providerId="AD" clId="Web-{7C7D7AC8-ADFC-F35D-C54C-F4B2A8F166EB}" dt="2024-11-13T19:08:16.616" v="246" actId="1076"/>
+          <ac:picMkLst>
+            <pc:docMk/>
+            <pc:sldMk cId="3493009253" sldId="264"/>
+            <ac:picMk id="5" creationId="{2064FFBF-851B-FB32-B0CC-95AB8C721388}"/>
+          </ac:picMkLst>
+        </pc:picChg>
+        <pc:picChg chg="add mod">
+          <ac:chgData name="Jarvi, Rachel C" userId="S::rachel.jarvi@uconn.edu::5f94c26e-36bc-415b-abfb-1d0877c450ca" providerId="AD" clId="Web-{7C7D7AC8-ADFC-F35D-C54C-F4B2A8F166EB}" dt="2024-11-13T19:08:27.710" v="250" actId="1076"/>
+          <ac:picMkLst>
+            <pc:docMk/>
+            <pc:sldMk cId="3493009253" sldId="264"/>
+            <ac:picMk id="8" creationId="{01AA50AE-1118-5847-9389-C668630CDFD5}"/>
+          </ac:picMkLst>
+        </pc:picChg>
+      </pc:sldChg>
+      <pc:sldChg chg="modSp add replId">
+        <pc:chgData name="Jarvi, Rachel C" userId="S::rachel.jarvi@uconn.edu::5f94c26e-36bc-415b-abfb-1d0877c450ca" providerId="AD" clId="Web-{7C7D7AC8-ADFC-F35D-C54C-F4B2A8F166EB}" dt="2024-11-13T19:30:09.944" v="728" actId="20577"/>
+        <pc:sldMkLst>
+          <pc:docMk/>
+          <pc:sldMk cId="3602972703" sldId="265"/>
+        </pc:sldMkLst>
+        <pc:spChg chg="mod">
+          <ac:chgData name="Jarvi, Rachel C" userId="S::rachel.jarvi@uconn.edu::5f94c26e-36bc-415b-abfb-1d0877c450ca" providerId="AD" clId="Web-{7C7D7AC8-ADFC-F35D-C54C-F4B2A8F166EB}" dt="2024-11-13T19:29:23.974" v="689" actId="20577"/>
+          <ac:spMkLst>
+            <pc:docMk/>
+            <pc:sldMk cId="3602972703" sldId="265"/>
+            <ac:spMk id="2" creationId="{A66246BF-C2B5-B7F4-DB8D-ADC4F8CF85A0}"/>
+          </ac:spMkLst>
+        </pc:spChg>
+        <pc:spChg chg="mod">
+          <ac:chgData name="Jarvi, Rachel C" userId="S::rachel.jarvi@uconn.edu::5f94c26e-36bc-415b-abfb-1d0877c450ca" providerId="AD" clId="Web-{7C7D7AC8-ADFC-F35D-C54C-F4B2A8F166EB}" dt="2024-11-13T19:30:09.944" v="728" actId="20577"/>
+          <ac:spMkLst>
+            <pc:docMk/>
+            <pc:sldMk cId="3602972703" sldId="265"/>
+            <ac:spMk id="3" creationId="{D9B020B8-69AA-FB95-638B-982C100C07B6}"/>
+          </ac:spMkLst>
+        </pc:spChg>
+      </pc:sldChg>
+    </pc:docChg>
+  </pc:docChgLst>
+  <pc:docChgLst>
+    <pc:chgData name="Jarvi, Rachel C" userId="S::rachel.jarvi@uconn.edu::5f94c26e-36bc-415b-abfb-1d0877c450ca" providerId="AD" clId="Web-{54187DFC-061D-FFBF-F372-A73FF01ADBBD}"/>
+    <pc:docChg chg="addSld modSld addMainMaster delMainMaster">
+      <pc:chgData name="Jarvi, Rachel C" userId="S::rachel.jarvi@uconn.edu::5f94c26e-36bc-415b-abfb-1d0877c450ca" providerId="AD" clId="Web-{54187DFC-061D-FFBF-F372-A73FF01ADBBD}" dt="2024-11-11T16:01:29.133" v="603" actId="20577"/>
+      <pc:docMkLst>
+        <pc:docMk/>
+      </pc:docMkLst>
+      <pc:sldChg chg="addSp delSp modSp mod setBg modClrScheme chgLayout">
+        <pc:chgData name="Jarvi, Rachel C" userId="S::rachel.jarvi@uconn.edu::5f94c26e-36bc-415b-abfb-1d0877c450ca" providerId="AD" clId="Web-{54187DFC-061D-FFBF-F372-A73FF01ADBBD}" dt="2024-11-11T15:17:43.722" v="49" actId="20577"/>
         <pc:sldMkLst>
           <pc:docMk/>
           <pc:sldMk cId="109857222" sldId="256"/>
         </pc:sldMkLst>
         <pc:spChg chg="mod">
-          <ac:chgData name="Jarvi, Rachel C" userId="S::rachel.jarvi@uconn.edu::5f94c26e-36bc-415b-abfb-1d0877c450ca" providerId="AD" clId="Web-{BF452B15-AB70-920A-AA57-8425BA5FDA28}" dt="2024-11-12T18:17:39.149" v="0" actId="20577"/>
+          <ac:chgData name="Jarvi, Rachel C" userId="S::rachel.jarvi@uconn.edu::5f94c26e-36bc-415b-abfb-1d0877c450ca" providerId="AD" clId="Web-{54187DFC-061D-FFBF-F372-A73FF01ADBBD}" dt="2024-11-11T15:17:27.316" v="47" actId="20577"/>
+          <ac:spMkLst>
+            <pc:docMk/>
+            <pc:sldMk cId="109857222" sldId="256"/>
+            <ac:spMk id="2" creationId="{00000000-0000-0000-0000-000000000000}"/>
+          </ac:spMkLst>
+        </pc:spChg>
+        <pc:spChg chg="mod">
+          <ac:chgData name="Jarvi, Rachel C" userId="S::rachel.jarvi@uconn.edu::5f94c26e-36bc-415b-abfb-1d0877c450ca" providerId="AD" clId="Web-{54187DFC-061D-FFBF-F372-A73FF01ADBBD}" dt="2024-11-11T15:17:43.722" v="49" actId="20577"/>
           <ac:spMkLst>
             <pc:docMk/>
             <pc:sldMk cId="109857222" sldId="256"/>
             <ac:spMk id="3" creationId="{00000000-0000-0000-0000-000000000000}"/>
           </ac:spMkLst>
         </pc:spChg>
+        <pc:spChg chg="add">
+          <ac:chgData name="Jarvi, Rachel C" userId="S::rachel.jarvi@uconn.edu::5f94c26e-36bc-415b-abfb-1d0877c450ca" providerId="AD" clId="Web-{54187DFC-061D-FFBF-F372-A73FF01ADBBD}" dt="2024-11-11T15:16:06.783" v="16"/>
+          <ac:spMkLst>
+            <pc:docMk/>
+            <pc:sldMk cId="109857222" sldId="256"/>
+            <ac:spMk id="12" creationId="{0760E4C7-47B8-4356-ABCA-CC9C79E2D2B6}"/>
+          </ac:spMkLst>
+        </pc:spChg>
+        <pc:spChg chg="add">
+          <ac:chgData name="Jarvi, Rachel C" userId="S::rachel.jarvi@uconn.edu::5f94c26e-36bc-415b-abfb-1d0877c450ca" providerId="AD" clId="Web-{54187DFC-061D-FFBF-F372-A73FF01ADBBD}" dt="2024-11-11T15:16:06.783" v="16"/>
+          <ac:spMkLst>
+            <pc:docMk/>
+            <pc:sldMk cId="109857222" sldId="256"/>
+            <ac:spMk id="14" creationId="{ED0A0432-F95F-6441-CC5D-B6BB755FABF8}"/>
+          </ac:spMkLst>
+        </pc:spChg>
+        <pc:spChg chg="add">
+          <ac:chgData name="Jarvi, Rachel C" userId="S::rachel.jarvi@uconn.edu::5f94c26e-36bc-415b-abfb-1d0877c450ca" providerId="AD" clId="Web-{54187DFC-061D-FFBF-F372-A73FF01ADBBD}" dt="2024-11-11T15:16:06.783" v="16"/>
+          <ac:spMkLst>
+            <pc:docMk/>
+            <pc:sldMk cId="109857222" sldId="256"/>
+            <ac:spMk id="16" creationId="{3F0586C3-A19F-D214-ABDE-30AD5B6669E5}"/>
+          </ac:spMkLst>
+        </pc:spChg>
+        <pc:picChg chg="add del mod ord">
+          <ac:chgData name="Jarvi, Rachel C" userId="S::rachel.jarvi@uconn.edu::5f94c26e-36bc-415b-abfb-1d0877c450ca" providerId="AD" clId="Web-{54187DFC-061D-FFBF-F372-A73FF01ADBBD}" dt="2024-11-11T15:16:06.783" v="16"/>
+          <ac:picMkLst>
+            <pc:docMk/>
+            <pc:sldMk cId="109857222" sldId="256"/>
+            <ac:picMk id="7" creationId="{DE499A9D-F14F-EBE1-7603-A5EC6F5AB811}"/>
+          </ac:picMkLst>
+        </pc:picChg>
+        <pc:cxnChg chg="add">
+          <ac:chgData name="Jarvi, Rachel C" userId="S::rachel.jarvi@uconn.edu::5f94c26e-36bc-415b-abfb-1d0877c450ca" providerId="AD" clId="Web-{54187DFC-061D-FFBF-F372-A73FF01ADBBD}" dt="2024-11-11T15:16:06.783" v="16"/>
+          <ac:cxnSpMkLst>
+            <pc:docMk/>
+            <pc:sldMk cId="109857222" sldId="256"/>
+            <ac:cxnSpMk id="18" creationId="{414C5C93-B9E9-4392-ADCF-ABF21209DD56}"/>
+          </ac:cxnSpMkLst>
+        </pc:cxnChg>
+      </pc:sldChg>
+      <pc:sldChg chg="modSp new">
+        <pc:chgData name="Jarvi, Rachel C" userId="S::rachel.jarvi@uconn.edu::5f94c26e-36bc-415b-abfb-1d0877c450ca" providerId="AD" clId="Web-{54187DFC-061D-FFBF-F372-A73FF01ADBBD}" dt="2024-11-11T15:25:22.012" v="234" actId="20577"/>
+        <pc:sldMkLst>
+          <pc:docMk/>
+          <pc:sldMk cId="3621657562" sldId="257"/>
+        </pc:sldMkLst>
+        <pc:spChg chg="mod">
+          <ac:chgData name="Jarvi, Rachel C" userId="S::rachel.jarvi@uconn.edu::5f94c26e-36bc-415b-abfb-1d0877c450ca" providerId="AD" clId="Web-{54187DFC-061D-FFBF-F372-A73FF01ADBBD}" dt="2024-11-11T15:21:15.648" v="67" actId="20577"/>
+          <ac:spMkLst>
+            <pc:docMk/>
+            <pc:sldMk cId="3621657562" sldId="257"/>
+            <ac:spMk id="2" creationId="{A66246BF-C2B5-B7F4-DB8D-ADC4F8CF85A0}"/>
+          </ac:spMkLst>
+        </pc:spChg>
+        <pc:spChg chg="mod">
+          <ac:chgData name="Jarvi, Rachel C" userId="S::rachel.jarvi@uconn.edu::5f94c26e-36bc-415b-abfb-1d0877c450ca" providerId="AD" clId="Web-{54187DFC-061D-FFBF-F372-A73FF01ADBBD}" dt="2024-11-11T15:25:22.012" v="234" actId="20577"/>
+          <ac:spMkLst>
+            <pc:docMk/>
+            <pc:sldMk cId="3621657562" sldId="257"/>
+            <ac:spMk id="3" creationId="{D9B020B8-69AA-FB95-638B-982C100C07B6}"/>
+          </ac:spMkLst>
+        </pc:spChg>
+      </pc:sldChg>
+      <pc:sldChg chg="modSp add replId">
+        <pc:chgData name="Jarvi, Rachel C" userId="S::rachel.jarvi@uconn.edu::5f94c26e-36bc-415b-abfb-1d0877c450ca" providerId="AD" clId="Web-{54187DFC-061D-FFBF-F372-A73FF01ADBBD}" dt="2024-11-11T15:47:47.398" v="523" actId="20577"/>
+        <pc:sldMkLst>
+          <pc:docMk/>
+          <pc:sldMk cId="1919512088" sldId="258"/>
+        </pc:sldMkLst>
+        <pc:spChg chg="mod">
+          <ac:chgData name="Jarvi, Rachel C" userId="S::rachel.jarvi@uconn.edu::5f94c26e-36bc-415b-abfb-1d0877c450ca" providerId="AD" clId="Web-{54187DFC-061D-FFBF-F372-A73FF01ADBBD}" dt="2024-11-11T15:25:59.544" v="238" actId="20577"/>
+          <ac:spMkLst>
+            <pc:docMk/>
+            <pc:sldMk cId="1919512088" sldId="258"/>
+            <ac:spMk id="2" creationId="{A66246BF-C2B5-B7F4-DB8D-ADC4F8CF85A0}"/>
+          </ac:spMkLst>
+        </pc:spChg>
+        <pc:spChg chg="mod">
+          <ac:chgData name="Jarvi, Rachel C" userId="S::rachel.jarvi@uconn.edu::5f94c26e-36bc-415b-abfb-1d0877c450ca" providerId="AD" clId="Web-{54187DFC-061D-FFBF-F372-A73FF01ADBBD}" dt="2024-11-11T15:47:47.398" v="523" actId="20577"/>
+          <ac:spMkLst>
+            <pc:docMk/>
+            <pc:sldMk cId="1919512088" sldId="258"/>
+            <ac:spMk id="3" creationId="{D9B020B8-69AA-FB95-638B-982C100C07B6}"/>
+          </ac:spMkLst>
+        </pc:spChg>
+      </pc:sldChg>
+      <pc:sldChg chg="modSp add replId">
+        <pc:chgData name="Jarvi, Rachel C" userId="S::rachel.jarvi@uconn.edu::5f94c26e-36bc-415b-abfb-1d0877c450ca" providerId="AD" clId="Web-{54187DFC-061D-FFBF-F372-A73FF01ADBBD}" dt="2024-11-11T15:56:52.955" v="580" actId="20577"/>
+        <pc:sldMkLst>
+          <pc:docMk/>
+          <pc:sldMk cId="237981053" sldId="259"/>
+        </pc:sldMkLst>
+        <pc:spChg chg="mod">
+          <ac:chgData name="Jarvi, Rachel C" userId="S::rachel.jarvi@uconn.edu::5f94c26e-36bc-415b-abfb-1d0877c450ca" providerId="AD" clId="Web-{54187DFC-061D-FFBF-F372-A73FF01ADBBD}" dt="2024-11-11T15:48:58.649" v="532" actId="20577"/>
+          <ac:spMkLst>
+            <pc:docMk/>
+            <pc:sldMk cId="237981053" sldId="259"/>
+            <ac:spMk id="2" creationId="{A66246BF-C2B5-B7F4-DB8D-ADC4F8CF85A0}"/>
+          </ac:spMkLst>
+        </pc:spChg>
+        <pc:spChg chg="mod">
+          <ac:chgData name="Jarvi, Rachel C" userId="S::rachel.jarvi@uconn.edu::5f94c26e-36bc-415b-abfb-1d0877c450ca" providerId="AD" clId="Web-{54187DFC-061D-FFBF-F372-A73FF01ADBBD}" dt="2024-11-11T15:56:52.955" v="580" actId="20577"/>
+          <ac:spMkLst>
+            <pc:docMk/>
+            <pc:sldMk cId="237981053" sldId="259"/>
+            <ac:spMk id="3" creationId="{D9B020B8-69AA-FB95-638B-982C100C07B6}"/>
+          </ac:spMkLst>
+        </pc:spChg>
+      </pc:sldChg>
+      <pc:sldChg chg="modSp add replId">
+        <pc:chgData name="Jarvi, Rachel C" userId="S::rachel.jarvi@uconn.edu::5f94c26e-36bc-415b-abfb-1d0877c450ca" providerId="AD" clId="Web-{54187DFC-061D-FFBF-F372-A73FF01ADBBD}" dt="2024-11-11T16:00:38.600" v="582" actId="20577"/>
+        <pc:sldMkLst>
+          <pc:docMk/>
+          <pc:sldMk cId="759631458" sldId="260"/>
+        </pc:sldMkLst>
+        <pc:spChg chg="mod">
+          <ac:chgData name="Jarvi, Rachel C" userId="S::rachel.jarvi@uconn.edu::5f94c26e-36bc-415b-abfb-1d0877c450ca" providerId="AD" clId="Web-{54187DFC-061D-FFBF-F372-A73FF01ADBBD}" dt="2024-11-11T16:00:38.600" v="582" actId="20577"/>
+          <ac:spMkLst>
+            <pc:docMk/>
+            <pc:sldMk cId="759631458" sldId="260"/>
+            <ac:spMk id="2" creationId="{A66246BF-C2B5-B7F4-DB8D-ADC4F8CF85A0}"/>
+          </ac:spMkLst>
+        </pc:spChg>
+      </pc:sldChg>
+      <pc:sldChg chg="modSp new">
+        <pc:chgData name="Jarvi, Rachel C" userId="S::rachel.jarvi@uconn.edu::5f94c26e-36bc-415b-abfb-1d0877c450ca" providerId="AD" clId="Web-{54187DFC-061D-FFBF-F372-A73FF01ADBBD}" dt="2024-11-11T16:00:49.132" v="588" actId="20577"/>
+        <pc:sldMkLst>
+          <pc:docMk/>
+          <pc:sldMk cId="208975706" sldId="261"/>
+        </pc:sldMkLst>
+        <pc:spChg chg="mod">
+          <ac:chgData name="Jarvi, Rachel C" userId="S::rachel.jarvi@uconn.edu::5f94c26e-36bc-415b-abfb-1d0877c450ca" providerId="AD" clId="Web-{54187DFC-061D-FFBF-F372-A73FF01ADBBD}" dt="2024-11-11T16:00:49.132" v="588" actId="20577"/>
+          <ac:spMkLst>
+            <pc:docMk/>
+            <pc:sldMk cId="208975706" sldId="261"/>
+            <ac:spMk id="2" creationId="{42473E60-EDA6-E49C-CCF9-73E9BAAD6BE7}"/>
+          </ac:spMkLst>
+        </pc:spChg>
+      </pc:sldChg>
+      <pc:sldChg chg="modSp new">
+        <pc:chgData name="Jarvi, Rachel C" userId="S::rachel.jarvi@uconn.edu::5f94c26e-36bc-415b-abfb-1d0877c450ca" providerId="AD" clId="Web-{54187DFC-061D-FFBF-F372-A73FF01ADBBD}" dt="2024-11-11T16:01:19.351" v="595" actId="20577"/>
+        <pc:sldMkLst>
+          <pc:docMk/>
+          <pc:sldMk cId="693929850" sldId="262"/>
+        </pc:sldMkLst>
+        <pc:spChg chg="mod">
+          <ac:chgData name="Jarvi, Rachel C" userId="S::rachel.jarvi@uconn.edu::5f94c26e-36bc-415b-abfb-1d0877c450ca" providerId="AD" clId="Web-{54187DFC-061D-FFBF-F372-A73FF01ADBBD}" dt="2024-11-11T16:01:19.351" v="595" actId="20577"/>
+          <ac:spMkLst>
+            <pc:docMk/>
+            <pc:sldMk cId="693929850" sldId="262"/>
+            <ac:spMk id="2" creationId="{A25F0CB2-155A-13CB-7931-14C5B9B7A65C}"/>
+          </ac:spMkLst>
+        </pc:spChg>
+      </pc:sldChg>
+      <pc:sldChg chg="modSp add replId">
+        <pc:chgData name="Jarvi, Rachel C" userId="S::rachel.jarvi@uconn.edu::5f94c26e-36bc-415b-abfb-1d0877c450ca" providerId="AD" clId="Web-{54187DFC-061D-FFBF-F372-A73FF01ADBBD}" dt="2024-11-11T16:01:29.133" v="603" actId="20577"/>
+        <pc:sldMkLst>
+          <pc:docMk/>
+          <pc:sldMk cId="3012295971" sldId="263"/>
+        </pc:sldMkLst>
+      </pc:sldChg>
+      <pc:sldMasterChg chg="del delSldLayout">
+        <pc:chgData name="Jarvi, Rachel C" userId="S::rachel.jarvi@uconn.edu::5f94c26e-36bc-415b-abfb-1d0877c450ca" providerId="AD" clId="Web-{54187DFC-061D-FFBF-F372-A73FF01ADBBD}" dt="2024-11-11T15:16:06.783" v="16"/>
+        <pc:sldMasterMkLst>
+          <pc:docMk/>
+          <pc:sldMasterMk cId="2460954070" sldId="2147483660"/>
+        </pc:sldMasterMkLst>
+        <pc:sldLayoutChg chg="del">
+          <pc:chgData name="Jarvi, Rachel C" userId="S::rachel.jarvi@uconn.edu::5f94c26e-36bc-415b-abfb-1d0877c450ca" providerId="AD" clId="Web-{54187DFC-061D-FFBF-F372-A73FF01ADBBD}" dt="2024-11-11T15:16:06.783" v="16"/>
+          <pc:sldLayoutMkLst>
+            <pc:docMk/>
+            <pc:sldMasterMk cId="2460954070" sldId="2147483660"/>
+            <pc:sldLayoutMk cId="2385387890" sldId="2147483661"/>
+          </pc:sldLayoutMkLst>
+        </pc:sldLayoutChg>
+        <pc:sldLayoutChg chg="del">
+          <pc:chgData name="Jarvi, Rachel C" userId="S::rachel.jarvi@uconn.edu::5f94c26e-36bc-415b-abfb-1d0877c450ca" providerId="AD" clId="Web-{54187DFC-061D-FFBF-F372-A73FF01ADBBD}" dt="2024-11-11T15:16:06.783" v="16"/>
+          <pc:sldLayoutMkLst>
+            <pc:docMk/>
+            <pc:sldMasterMk cId="2460954070" sldId="2147483660"/>
+            <pc:sldLayoutMk cId="949138452" sldId="2147483662"/>
+          </pc:sldLayoutMkLst>
+        </pc:sldLayoutChg>
+        <pc:sldLayoutChg chg="del">
+          <pc:chgData name="Jarvi, Rachel C" userId="S::rachel.jarvi@uconn.edu::5f94c26e-36bc-415b-abfb-1d0877c450ca" providerId="AD" clId="Web-{54187DFC-061D-FFBF-F372-A73FF01ADBBD}" dt="2024-11-11T15:16:06.783" v="16"/>
+          <pc:sldLayoutMkLst>
+            <pc:docMk/>
+            <pc:sldMasterMk cId="2460954070" sldId="2147483660"/>
+            <pc:sldLayoutMk cId="2591524520" sldId="2147483663"/>
+          </pc:sldLayoutMkLst>
+        </pc:sldLayoutChg>
+        <pc:sldLayoutChg chg="del">
+          <pc:chgData name="Jarvi, Rachel C" userId="S::rachel.jarvi@uconn.edu::5f94c26e-36bc-415b-abfb-1d0877c450ca" providerId="AD" clId="Web-{54187DFC-061D-FFBF-F372-A73FF01ADBBD}" dt="2024-11-11T15:16:06.783" v="16"/>
+          <pc:sldLayoutMkLst>
+            <pc:docMk/>
+            <pc:sldMasterMk cId="2460954070" sldId="2147483660"/>
+            <pc:sldLayoutMk cId="1203092039" sldId="2147483664"/>
+          </pc:sldLayoutMkLst>
+        </pc:sldLayoutChg>
+        <pc:sldLayoutChg chg="del">
+          <pc:chgData name="Jarvi, Rachel C" userId="S::rachel.jarvi@uconn.edu::5f94c26e-36bc-415b-abfb-1d0877c450ca" providerId="AD" clId="Web-{54187DFC-061D-FFBF-F372-A73FF01ADBBD}" dt="2024-11-11T15:16:06.783" v="16"/>
+          <pc:sldLayoutMkLst>
+            <pc:docMk/>
+            <pc:sldMasterMk cId="2460954070" sldId="2147483660"/>
+            <pc:sldLayoutMk cId="3733172339" sldId="2147483665"/>
+          </pc:sldLayoutMkLst>
+        </pc:sldLayoutChg>
+        <pc:sldLayoutChg chg="del">
+          <pc:chgData name="Jarvi, Rachel C" userId="S::rachel.jarvi@uconn.edu::5f94c26e-36bc-415b-abfb-1d0877c450ca" providerId="AD" clId="Web-{54187DFC-061D-FFBF-F372-A73FF01ADBBD}" dt="2024-11-11T15:16:06.783" v="16"/>
+          <pc:sldLayoutMkLst>
+            <pc:docMk/>
+            <pc:sldMasterMk cId="2460954070" sldId="2147483660"/>
+            <pc:sldLayoutMk cId="3210312558" sldId="2147483666"/>
+          </pc:sldLayoutMkLst>
+        </pc:sldLayoutChg>
+        <pc:sldLayoutChg chg="del">
+          <pc:chgData name="Jarvi, Rachel C" userId="S::rachel.jarvi@uconn.edu::5f94c26e-36bc-415b-abfb-1d0877c450ca" providerId="AD" clId="Web-{54187DFC-061D-FFBF-F372-A73FF01ADBBD}" dt="2024-11-11T15:16:06.783" v="16"/>
+          <pc:sldLayoutMkLst>
+            <pc:docMk/>
+            <pc:sldMasterMk cId="2460954070" sldId="2147483660"/>
+            <pc:sldLayoutMk cId="3146388984" sldId="2147483667"/>
+          </pc:sldLayoutMkLst>
+        </pc:sldLayoutChg>
+        <pc:sldLayoutChg chg="del">
+          <pc:chgData name="Jarvi, Rachel C" userId="S::rachel.jarvi@uconn.edu::5f94c26e-36bc-415b-abfb-1d0877c450ca" providerId="AD" clId="Web-{54187DFC-061D-FFBF-F372-A73FF01ADBBD}" dt="2024-11-11T15:16:06.783" v="16"/>
+          <pc:sldLayoutMkLst>
+            <pc:docMk/>
+            <pc:sldMasterMk cId="2460954070" sldId="2147483660"/>
+            <pc:sldLayoutMk cId="3171841454" sldId="2147483668"/>
+          </pc:sldLayoutMkLst>
+        </pc:sldLayoutChg>
+        <pc:sldLayoutChg chg="del">
+          <pc:chgData name="Jarvi, Rachel C" userId="S::rachel.jarvi@uconn.edu::5f94c26e-36bc-415b-abfb-1d0877c450ca" providerId="AD" clId="Web-{54187DFC-061D-FFBF-F372-A73FF01ADBBD}" dt="2024-11-11T15:16:06.783" v="16"/>
+          <pc:sldLayoutMkLst>
+            <pc:docMk/>
+            <pc:sldMasterMk cId="2460954070" sldId="2147483660"/>
+            <pc:sldLayoutMk cId="1718958274" sldId="2147483669"/>
+          </pc:sldLayoutMkLst>
+        </pc:sldLayoutChg>
+        <pc:sldLayoutChg chg="del">
+          <pc:chgData name="Jarvi, Rachel C" userId="S::rachel.jarvi@uconn.edu::5f94c26e-36bc-415b-abfb-1d0877c450ca" providerId="AD" clId="Web-{54187DFC-061D-FFBF-F372-A73FF01ADBBD}" dt="2024-11-11T15:16:06.783" v="16"/>
+          <pc:sldLayoutMkLst>
+            <pc:docMk/>
+            <pc:sldMasterMk cId="2460954070" sldId="2147483660"/>
+            <pc:sldLayoutMk cId="2202905451" sldId="2147483670"/>
+          </pc:sldLayoutMkLst>
+        </pc:sldLayoutChg>
+        <pc:sldLayoutChg chg="del">
+          <pc:chgData name="Jarvi, Rachel C" userId="S::rachel.jarvi@uconn.edu::5f94c26e-36bc-415b-abfb-1d0877c450ca" providerId="AD" clId="Web-{54187DFC-061D-FFBF-F372-A73FF01ADBBD}" dt="2024-11-11T15:16:06.783" v="16"/>
+          <pc:sldLayoutMkLst>
+            <pc:docMk/>
+            <pc:sldMasterMk cId="2460954070" sldId="2147483660"/>
+            <pc:sldLayoutMk cId="3479445657" sldId="2147483671"/>
+          </pc:sldLayoutMkLst>
+        </pc:sldLayoutChg>
+      </pc:sldMasterChg>
+      <pc:sldMasterChg chg="add addSldLayout">
+        <pc:chgData name="Jarvi, Rachel C" userId="S::rachel.jarvi@uconn.edu::5f94c26e-36bc-415b-abfb-1d0877c450ca" providerId="AD" clId="Web-{54187DFC-061D-FFBF-F372-A73FF01ADBBD}" dt="2024-11-11T15:16:06.783" v="16"/>
+        <pc:sldMasterMkLst>
+          <pc:docMk/>
+          <pc:sldMasterMk cId="4191993446" sldId="2147483711"/>
+        </pc:sldMasterMkLst>
+        <pc:sldLayoutChg chg="add">
+          <pc:chgData name="Jarvi, Rachel C" userId="S::rachel.jarvi@uconn.edu::5f94c26e-36bc-415b-abfb-1d0877c450ca" providerId="AD" clId="Web-{54187DFC-061D-FFBF-F372-A73FF01ADBBD}" dt="2024-11-11T15:16:06.783" v="16"/>
+          <pc:sldLayoutMkLst>
+            <pc:docMk/>
+            <pc:sldMasterMk cId="4191993446" sldId="2147483711"/>
+            <pc:sldLayoutMk cId="902605887" sldId="2147483700"/>
+          </pc:sldLayoutMkLst>
+        </pc:sldLayoutChg>
+        <pc:sldLayoutChg chg="add">
+          <pc:chgData name="Jarvi, Rachel C" userId="S::rachel.jarvi@uconn.edu::5f94c26e-36bc-415b-abfb-1d0877c450ca" providerId="AD" clId="Web-{54187DFC-061D-FFBF-F372-A73FF01ADBBD}" dt="2024-11-11T15:16:06.783" v="16"/>
+          <pc:sldLayoutMkLst>
+            <pc:docMk/>
+            <pc:sldMasterMk cId="4191993446" sldId="2147483711"/>
+            <pc:sldLayoutMk cId="2659724854" sldId="2147483701"/>
+          </pc:sldLayoutMkLst>
+        </pc:sldLayoutChg>
+        <pc:sldLayoutChg chg="add">
+          <pc:chgData name="Jarvi, Rachel C" userId="S::rachel.jarvi@uconn.edu::5f94c26e-36bc-415b-abfb-1d0877c450ca" providerId="AD" clId="Web-{54187DFC-061D-FFBF-F372-A73FF01ADBBD}" dt="2024-11-11T15:16:06.783" v="16"/>
+          <pc:sldLayoutMkLst>
+            <pc:docMk/>
+            <pc:sldMasterMk cId="4191993446" sldId="2147483711"/>
+            <pc:sldLayoutMk cId="489995739" sldId="2147483702"/>
+          </pc:sldLayoutMkLst>
+        </pc:sldLayoutChg>
+        <pc:sldLayoutChg chg="add">
+          <pc:chgData name="Jarvi, Rachel C" userId="S::rachel.jarvi@uconn.edu::5f94c26e-36bc-415b-abfb-1d0877c450ca" providerId="AD" clId="Web-{54187DFC-061D-FFBF-F372-A73FF01ADBBD}" dt="2024-11-11T15:16:06.783" v="16"/>
+          <pc:sldLayoutMkLst>
+            <pc:docMk/>
+            <pc:sldMasterMk cId="4191993446" sldId="2147483711"/>
+            <pc:sldLayoutMk cId="3982360791" sldId="2147483703"/>
+          </pc:sldLayoutMkLst>
+        </pc:sldLayoutChg>
+        <pc:sldLayoutChg chg="add">
+          <pc:chgData name="Jarvi, Rachel C" userId="S::rachel.jarvi@uconn.edu::5f94c26e-36bc-415b-abfb-1d0877c450ca" providerId="AD" clId="Web-{54187DFC-061D-FFBF-F372-A73FF01ADBBD}" dt="2024-11-11T15:16:06.783" v="16"/>
+          <pc:sldLayoutMkLst>
+            <pc:docMk/>
+            <pc:sldMasterMk cId="4191993446" sldId="2147483711"/>
+            <pc:sldLayoutMk cId="1080408756" sldId="2147483704"/>
+          </pc:sldLayoutMkLst>
+        </pc:sldLayoutChg>
+        <pc:sldLayoutChg chg="add">
+          <pc:chgData name="Jarvi, Rachel C" userId="S::rachel.jarvi@uconn.edu::5f94c26e-36bc-415b-abfb-1d0877c450ca" providerId="AD" clId="Web-{54187DFC-061D-FFBF-F372-A73FF01ADBBD}" dt="2024-11-11T15:16:06.783" v="16"/>
+          <pc:sldLayoutMkLst>
+            <pc:docMk/>
+            <pc:sldMasterMk cId="4191993446" sldId="2147483711"/>
+            <pc:sldLayoutMk cId="1936963180" sldId="2147483705"/>
+          </pc:sldLayoutMkLst>
+        </pc:sldLayoutChg>
+        <pc:sldLayoutChg chg="add">
+          <pc:chgData name="Jarvi, Rachel C" userId="S::rachel.jarvi@uconn.edu::5f94c26e-36bc-415b-abfb-1d0877c450ca" providerId="AD" clId="Web-{54187DFC-061D-FFBF-F372-A73FF01ADBBD}" dt="2024-11-11T15:16:06.783" v="16"/>
+          <pc:sldLayoutMkLst>
+            <pc:docMk/>
+            <pc:sldMasterMk cId="4191993446" sldId="2147483711"/>
+            <pc:sldLayoutMk cId="3050590801" sldId="2147483706"/>
+          </pc:sldLayoutMkLst>
+        </pc:sldLayoutChg>
+        <pc:sldLayoutChg chg="add">
+          <pc:chgData name="Jarvi, Rachel C" userId="S::rachel.jarvi@uconn.edu::5f94c26e-36bc-415b-abfb-1d0877c450ca" providerId="AD" clId="Web-{54187DFC-061D-FFBF-F372-A73FF01ADBBD}" dt="2024-11-11T15:16:06.783" v="16"/>
+          <pc:sldLayoutMkLst>
+            <pc:docMk/>
+            <pc:sldMasterMk cId="4191993446" sldId="2147483711"/>
+            <pc:sldLayoutMk cId="196259462" sldId="2147483707"/>
+          </pc:sldLayoutMkLst>
+        </pc:sldLayoutChg>
+        <pc:sldLayoutChg chg="add">
+          <pc:chgData name="Jarvi, Rachel C" userId="S::rachel.jarvi@uconn.edu::5f94c26e-36bc-415b-abfb-1d0877c450ca" providerId="AD" clId="Web-{54187DFC-061D-FFBF-F372-A73FF01ADBBD}" dt="2024-11-11T15:16:06.783" v="16"/>
+          <pc:sldLayoutMkLst>
+            <pc:docMk/>
+            <pc:sldMasterMk cId="4191993446" sldId="2147483711"/>
+            <pc:sldLayoutMk cId="3345439261" sldId="2147483708"/>
+          </pc:sldLayoutMkLst>
+        </pc:sldLayoutChg>
+        <pc:sldLayoutChg chg="add">
+          <pc:chgData name="Jarvi, Rachel C" userId="S::rachel.jarvi@uconn.edu::5f94c26e-36bc-415b-abfb-1d0877c450ca" providerId="AD" clId="Web-{54187DFC-061D-FFBF-F372-A73FF01ADBBD}" dt="2024-11-11T15:16:06.783" v="16"/>
+          <pc:sldLayoutMkLst>
+            <pc:docMk/>
+            <pc:sldMasterMk cId="4191993446" sldId="2147483711"/>
+            <pc:sldLayoutMk cId="206842913" sldId="2147483709"/>
+          </pc:sldLayoutMkLst>
+        </pc:sldLayoutChg>
+        <pc:sldLayoutChg chg="add">
+          <pc:chgData name="Jarvi, Rachel C" userId="S::rachel.jarvi@uconn.edu::5f94c26e-36bc-415b-abfb-1d0877c450ca" providerId="AD" clId="Web-{54187DFC-061D-FFBF-F372-A73FF01ADBBD}" dt="2024-11-11T15:16:06.783" v="16"/>
+          <pc:sldLayoutMkLst>
+            <pc:docMk/>
+            <pc:sldMasterMk cId="4191993446" sldId="2147483711"/>
+            <pc:sldLayoutMk cId="4175745642" sldId="2147483710"/>
+          </pc:sldLayoutMkLst>
+        </pc:sldLayoutChg>
+      </pc:sldMasterChg>
+    </pc:docChg>
+  </pc:docChgLst>
+  <pc:docChgLst>
+    <pc:chgData name="Rendero, Dominic V" userId="S::dominic.rendero@uconn.edu::6d21d9c4-1e14-476c-8422-cfe29e02369b" providerId="AD" clId="Web-{6F0D86E8-E24B-A06A-B0B6-5CD8F2761008}"/>
+    <pc:docChg chg="modSld">
+      <pc:chgData name="Rendero, Dominic V" userId="S::dominic.rendero@uconn.edu::6d21d9c4-1e14-476c-8422-cfe29e02369b" providerId="AD" clId="Web-{6F0D86E8-E24B-A06A-B0B6-5CD8F2761008}" dt="2024-11-15T16:16:00.892" v="152" actId="20577"/>
+      <pc:docMkLst>
+        <pc:docMk/>
+      </pc:docMkLst>
+      <pc:sldChg chg="addSp delSp modSp">
+        <pc:chgData name="Rendero, Dominic V" userId="S::dominic.rendero@uconn.edu::6d21d9c4-1e14-476c-8422-cfe29e02369b" providerId="AD" clId="Web-{6F0D86E8-E24B-A06A-B0B6-5CD8F2761008}" dt="2024-11-15T16:16:00.892" v="152" actId="20577"/>
+        <pc:sldMkLst>
+          <pc:docMk/>
+          <pc:sldMk cId="759631458" sldId="260"/>
+        </pc:sldMkLst>
+        <pc:spChg chg="mod">
+          <ac:chgData name="Rendero, Dominic V" userId="S::dominic.rendero@uconn.edu::6d21d9c4-1e14-476c-8422-cfe29e02369b" providerId="AD" clId="Web-{6F0D86E8-E24B-A06A-B0B6-5CD8F2761008}" dt="2024-11-15T16:16:00.892" v="152" actId="20577"/>
+          <ac:spMkLst>
+            <pc:docMk/>
+            <pc:sldMk cId="759631458" sldId="260"/>
+            <ac:spMk id="3" creationId="{D9B020B8-69AA-FB95-638B-982C100C07B6}"/>
+          </ac:spMkLst>
+        </pc:spChg>
+        <pc:spChg chg="add mod">
+          <ac:chgData name="Rendero, Dominic V" userId="S::dominic.rendero@uconn.edu::6d21d9c4-1e14-476c-8422-cfe29e02369b" providerId="AD" clId="Web-{6F0D86E8-E24B-A06A-B0B6-5CD8F2761008}" dt="2024-11-15T16:10:51.831" v="104"/>
+          <ac:spMkLst>
+            <pc:docMk/>
+            <pc:sldMk cId="759631458" sldId="260"/>
+            <ac:spMk id="8" creationId="{4FCD39A0-F81D-FDEB-E11A-AA5C5092CE05}"/>
+          </ac:spMkLst>
+        </pc:spChg>
+        <pc:spChg chg="add mod">
+          <ac:chgData name="Rendero, Dominic V" userId="S::dominic.rendero@uconn.edu::6d21d9c4-1e14-476c-8422-cfe29e02369b" providerId="AD" clId="Web-{6F0D86E8-E24B-A06A-B0B6-5CD8F2761008}" dt="2024-11-15T16:13:36.174" v="133" actId="1076"/>
+          <ac:spMkLst>
+            <pc:docMk/>
+            <pc:sldMk cId="759631458" sldId="260"/>
+            <ac:spMk id="11" creationId="{A14AA576-66DA-20F6-CEF5-977E4B3FE478}"/>
+          </ac:spMkLst>
+        </pc:spChg>
+        <pc:spChg chg="add mod">
+          <ac:chgData name="Rendero, Dominic V" userId="S::dominic.rendero@uconn.edu::6d21d9c4-1e14-476c-8422-cfe29e02369b" providerId="AD" clId="Web-{6F0D86E8-E24B-A06A-B0B6-5CD8F2761008}" dt="2024-11-15T16:14:01.643" v="146" actId="1076"/>
+          <ac:spMkLst>
+            <pc:docMk/>
+            <pc:sldMk cId="759631458" sldId="260"/>
+            <ac:spMk id="12" creationId="{37999EE5-6572-0E42-3E30-5FCD77125868}"/>
+          </ac:spMkLst>
+        </pc:spChg>
+        <pc:spChg chg="add mod">
+          <ac:chgData name="Rendero, Dominic V" userId="S::dominic.rendero@uconn.edu::6d21d9c4-1e14-476c-8422-cfe29e02369b" providerId="AD" clId="Web-{6F0D86E8-E24B-A06A-B0B6-5CD8F2761008}" dt="2024-11-15T16:13:53.330" v="142" actId="1076"/>
+          <ac:spMkLst>
+            <pc:docMk/>
+            <pc:sldMk cId="759631458" sldId="260"/>
+            <ac:spMk id="13" creationId="{E34714A1-A02F-1154-EC75-88052D811173}"/>
+          </ac:spMkLst>
+        </pc:spChg>
+        <pc:picChg chg="add mod">
+          <ac:chgData name="Rendero, Dominic V" userId="S::dominic.rendero@uconn.edu::6d21d9c4-1e14-476c-8422-cfe29e02369b" providerId="AD" clId="Web-{6F0D86E8-E24B-A06A-B0B6-5CD8F2761008}" dt="2024-11-15T16:07:02.051" v="99" actId="1076"/>
+          <ac:picMkLst>
+            <pc:docMk/>
+            <pc:sldMk cId="759631458" sldId="260"/>
+            <ac:picMk id="4" creationId="{23D7A5BD-B69C-68D8-E03C-4DEA0E442213}"/>
+          </ac:picMkLst>
+        </pc:picChg>
+        <pc:picChg chg="add mod">
+          <ac:chgData name="Rendero, Dominic V" userId="S::dominic.rendero@uconn.edu::6d21d9c4-1e14-476c-8422-cfe29e02369b" providerId="AD" clId="Web-{6F0D86E8-E24B-A06A-B0B6-5CD8F2761008}" dt="2024-11-15T16:05:32.098" v="89" actId="1076"/>
+          <ac:picMkLst>
+            <pc:docMk/>
+            <pc:sldMk cId="759631458" sldId="260"/>
+            <ac:picMk id="5" creationId="{FE102ABB-BBC3-0F95-3AFF-B3E3806BE14B}"/>
+          </ac:picMkLst>
+        </pc:picChg>
+        <pc:picChg chg="add del mod">
+          <ac:chgData name="Rendero, Dominic V" userId="S::dominic.rendero@uconn.edu::6d21d9c4-1e14-476c-8422-cfe29e02369b" providerId="AD" clId="Web-{6F0D86E8-E24B-A06A-B0B6-5CD8F2761008}" dt="2024-11-15T16:06:39.863" v="93"/>
+          <ac:picMkLst>
+            <pc:docMk/>
+            <pc:sldMk cId="759631458" sldId="260"/>
+            <ac:picMk id="6" creationId="{088E294F-4C1B-D867-418B-C9733655AEE6}"/>
+          </ac:picMkLst>
+        </pc:picChg>
+        <pc:picChg chg="add mod">
+          <ac:chgData name="Rendero, Dominic V" userId="S::dominic.rendero@uconn.edu::6d21d9c4-1e14-476c-8422-cfe29e02369b" providerId="AD" clId="Web-{6F0D86E8-E24B-A06A-B0B6-5CD8F2761008}" dt="2024-11-15T16:06:59.988" v="98" actId="1076"/>
+          <ac:picMkLst>
+            <pc:docMk/>
+            <pc:sldMk cId="759631458" sldId="260"/>
+            <ac:picMk id="7" creationId="{74B27C0C-B5A7-601A-5598-DDC9D3C461F6}"/>
+          </ac:picMkLst>
+        </pc:picChg>
+        <pc:picChg chg="add mod">
+          <ac:chgData name="Rendero, Dominic V" userId="S::dominic.rendero@uconn.edu::6d21d9c4-1e14-476c-8422-cfe29e02369b" providerId="AD" clId="Web-{6F0D86E8-E24B-A06A-B0B6-5CD8F2761008}" dt="2024-11-15T16:13:36.158" v="131" actId="1076"/>
+          <ac:picMkLst>
+            <pc:docMk/>
+            <pc:sldMk cId="759631458" sldId="260"/>
+            <ac:picMk id="9" creationId="{6E2CA7EF-E11A-3E7F-1029-FD3282ED138F}"/>
+          </ac:picMkLst>
+        </pc:picChg>
+        <pc:picChg chg="add mod">
+          <ac:chgData name="Rendero, Dominic V" userId="S::dominic.rendero@uconn.edu::6d21d9c4-1e14-476c-8422-cfe29e02369b" providerId="AD" clId="Web-{6F0D86E8-E24B-A06A-B0B6-5CD8F2761008}" dt="2024-11-15T16:13:36.158" v="132" actId="1076"/>
+          <ac:picMkLst>
+            <pc:docMk/>
+            <pc:sldMk cId="759631458" sldId="260"/>
+            <ac:picMk id="10" creationId="{1E3E936F-6252-9B73-AED6-ACAE65D7131F}"/>
+          </ac:picMkLst>
+        </pc:picChg>
       </pc:sldChg>
     </pc:docChg>
   </pc:docChgLst>
@@ -1421,24 +1206,253 @@
     </pc:docChg>
   </pc:docChgLst>
   <pc:docChgLst>
-    <pc:chgData name="Corbett, Raen" userId="S::kilraen.corbett@uconn.edu::03a91695-fc09-4a23-bb55-25bf6e0ff63f" providerId="AD" clId="Web-{AF750E8A-9AF4-BCDF-6A7F-614A0E0810EE}"/>
+    <pc:chgData name="Jarvi, Rachel C" userId="5f94c26e-36bc-415b-abfb-1d0877c450ca" providerId="ADAL" clId="{96E51D0A-62A1-8D4D-9B98-FCF2928BAA28}"/>
+    <pc:docChg chg="undo custSel modSld">
+      <pc:chgData name="Jarvi, Rachel C" userId="5f94c26e-36bc-415b-abfb-1d0877c450ca" providerId="ADAL" clId="{96E51D0A-62A1-8D4D-9B98-FCF2928BAA28}" dt="2024-11-13T23:46:10.265" v="568" actId="1076"/>
+      <pc:docMkLst>
+        <pc:docMk/>
+      </pc:docMkLst>
+      <pc:sldChg chg="addSp modSp">
+        <pc:chgData name="Jarvi, Rachel C" userId="5f94c26e-36bc-415b-abfb-1d0877c450ca" providerId="ADAL" clId="{96E51D0A-62A1-8D4D-9B98-FCF2928BAA28}" dt="2024-11-13T23:46:10.265" v="568" actId="1076"/>
+        <pc:sldMkLst>
+          <pc:docMk/>
+          <pc:sldMk cId="237981053" sldId="259"/>
+        </pc:sldMkLst>
+        <pc:spChg chg="mod">
+          <ac:chgData name="Jarvi, Rachel C" userId="5f94c26e-36bc-415b-abfb-1d0877c450ca" providerId="ADAL" clId="{96E51D0A-62A1-8D4D-9B98-FCF2928BAA28}" dt="2024-11-13T23:43:02.191" v="545" actId="1076"/>
+          <ac:spMkLst>
+            <pc:docMk/>
+            <pc:sldMk cId="237981053" sldId="259"/>
+            <ac:spMk id="3" creationId="{D9B020B8-69AA-FB95-638B-982C100C07B6}"/>
+          </ac:spMkLst>
+        </pc:spChg>
+        <pc:picChg chg="add mod">
+          <ac:chgData name="Jarvi, Rachel C" userId="5f94c26e-36bc-415b-abfb-1d0877c450ca" providerId="ADAL" clId="{96E51D0A-62A1-8D4D-9B98-FCF2928BAA28}" dt="2024-11-13T23:43:46.443" v="555" actId="1076"/>
+          <ac:picMkLst>
+            <pc:docMk/>
+            <pc:sldMk cId="237981053" sldId="259"/>
+            <ac:picMk id="4" creationId="{2BA8F7B2-2FED-92D6-59F5-F8654AC0ABFA}"/>
+          </ac:picMkLst>
+        </pc:picChg>
+        <pc:picChg chg="add mod">
+          <ac:chgData name="Jarvi, Rachel C" userId="5f94c26e-36bc-415b-abfb-1d0877c450ca" providerId="ADAL" clId="{96E51D0A-62A1-8D4D-9B98-FCF2928BAA28}" dt="2024-11-13T23:43:37.109" v="554" actId="14100"/>
+          <ac:picMkLst>
+            <pc:docMk/>
+            <pc:sldMk cId="237981053" sldId="259"/>
+            <ac:picMk id="5" creationId="{EBFC7D84-250F-ABA3-BADC-A0F660618BDB}"/>
+          </ac:picMkLst>
+        </pc:picChg>
+        <pc:picChg chg="add mod">
+          <ac:chgData name="Jarvi, Rachel C" userId="5f94c26e-36bc-415b-abfb-1d0877c450ca" providerId="ADAL" clId="{96E51D0A-62A1-8D4D-9B98-FCF2928BAA28}" dt="2024-11-13T23:43:24.075" v="551" actId="1076"/>
+          <ac:picMkLst>
+            <pc:docMk/>
+            <pc:sldMk cId="237981053" sldId="259"/>
+            <ac:picMk id="6" creationId="{F7D16A4F-FB61-C4EE-AFC5-5104B28B6F17}"/>
+          </ac:picMkLst>
+        </pc:picChg>
+        <pc:picChg chg="add mod modCrop">
+          <ac:chgData name="Jarvi, Rachel C" userId="5f94c26e-36bc-415b-abfb-1d0877c450ca" providerId="ADAL" clId="{96E51D0A-62A1-8D4D-9B98-FCF2928BAA28}" dt="2024-11-13T23:44:03.094" v="557" actId="1076"/>
+          <ac:picMkLst>
+            <pc:docMk/>
+            <pc:sldMk cId="237981053" sldId="259"/>
+            <ac:picMk id="7" creationId="{35C35FEE-45B0-8D4A-9343-178839363DE9}"/>
+          </ac:picMkLst>
+        </pc:picChg>
+        <pc:picChg chg="add mod">
+          <ac:chgData name="Jarvi, Rachel C" userId="5f94c26e-36bc-415b-abfb-1d0877c450ca" providerId="ADAL" clId="{96E51D0A-62A1-8D4D-9B98-FCF2928BAA28}" dt="2024-11-13T23:45:04.779" v="560" actId="1076"/>
+          <ac:picMkLst>
+            <pc:docMk/>
+            <pc:sldMk cId="237981053" sldId="259"/>
+            <ac:picMk id="8" creationId="{0AC29C5A-ECF4-1A78-49C0-A25A9B2D39C2}"/>
+          </ac:picMkLst>
+        </pc:picChg>
+        <pc:picChg chg="add mod modCrop">
+          <ac:chgData name="Jarvi, Rachel C" userId="5f94c26e-36bc-415b-abfb-1d0877c450ca" providerId="ADAL" clId="{96E51D0A-62A1-8D4D-9B98-FCF2928BAA28}" dt="2024-11-13T23:44:19.928" v="559" actId="14100"/>
+          <ac:picMkLst>
+            <pc:docMk/>
+            <pc:sldMk cId="237981053" sldId="259"/>
+            <ac:picMk id="10" creationId="{51F3EC71-1EE5-7609-F8D0-62E8032828A0}"/>
+          </ac:picMkLst>
+        </pc:picChg>
+        <pc:picChg chg="add mod">
+          <ac:chgData name="Jarvi, Rachel C" userId="5f94c26e-36bc-415b-abfb-1d0877c450ca" providerId="ADAL" clId="{96E51D0A-62A1-8D4D-9B98-FCF2928BAA28}" dt="2024-11-13T23:46:10.265" v="568" actId="1076"/>
+          <ac:picMkLst>
+            <pc:docMk/>
+            <pc:sldMk cId="237981053" sldId="259"/>
+            <ac:picMk id="12" creationId="{1F33D2EA-CE61-D8E1-0F52-BA62B4D2D611}"/>
+          </ac:picMkLst>
+        </pc:picChg>
+      </pc:sldChg>
+      <pc:sldChg chg="modSp">
+        <pc:chgData name="Jarvi, Rachel C" userId="5f94c26e-36bc-415b-abfb-1d0877c450ca" providerId="ADAL" clId="{96E51D0A-62A1-8D4D-9B98-FCF2928BAA28}" dt="2024-11-13T23:24:03.858" v="470" actId="20577"/>
+        <pc:sldMkLst>
+          <pc:docMk/>
+          <pc:sldMk cId="3493009253" sldId="264"/>
+        </pc:sldMkLst>
+        <pc:spChg chg="mod">
+          <ac:chgData name="Jarvi, Rachel C" userId="5f94c26e-36bc-415b-abfb-1d0877c450ca" providerId="ADAL" clId="{96E51D0A-62A1-8D4D-9B98-FCF2928BAA28}" dt="2024-11-13T23:24:03.858" v="470" actId="20577"/>
+          <ac:spMkLst>
+            <pc:docMk/>
+            <pc:sldMk cId="3493009253" sldId="264"/>
+            <ac:spMk id="3" creationId="{D9B020B8-69AA-FB95-638B-982C100C07B6}"/>
+          </ac:spMkLst>
+        </pc:spChg>
+        <pc:picChg chg="mod">
+          <ac:chgData name="Jarvi, Rachel C" userId="5f94c26e-36bc-415b-abfb-1d0877c450ca" providerId="ADAL" clId="{96E51D0A-62A1-8D4D-9B98-FCF2928BAA28}" dt="2024-11-13T23:23:23.578" v="441" actId="1076"/>
+          <ac:picMkLst>
+            <pc:docMk/>
+            <pc:sldMk cId="3493009253" sldId="264"/>
+            <ac:picMk id="8" creationId="{01AA50AE-1118-5847-9389-C668630CDFD5}"/>
+          </ac:picMkLst>
+        </pc:picChg>
+      </pc:sldChg>
+    </pc:docChg>
+  </pc:docChgLst>
+  <pc:docChgLst>
+    <pc:chgData name="Rendero, Dominic V" userId="S::dominic.rendero@uconn.edu::6d21d9c4-1e14-476c-8422-cfe29e02369b" providerId="AD" clId="Web-{389AD6E2-AFE2-69AC-561A-62F38484A6AA}"/>
     <pc:docChg chg="modSld">
-      <pc:chgData name="Corbett, Raen" userId="S::kilraen.corbett@uconn.edu::03a91695-fc09-4a23-bb55-25bf6e0ff63f" providerId="AD" clId="Web-{AF750E8A-9AF4-BCDF-6A7F-614A0E0810EE}" dt="2024-11-12T18:37:26.080" v="52" actId="20577"/>
+      <pc:chgData name="Rendero, Dominic V" userId="S::dominic.rendero@uconn.edu::6d21d9c4-1e14-476c-8422-cfe29e02369b" providerId="AD" clId="Web-{389AD6E2-AFE2-69AC-561A-62F38484A6AA}" dt="2024-11-12T18:57:40.228" v="134" actId="20577"/>
       <pc:docMkLst>
         <pc:docMk/>
       </pc:docMkLst>
       <pc:sldChg chg="modSp">
-        <pc:chgData name="Corbett, Raen" userId="S::kilraen.corbett@uconn.edu::03a91695-fc09-4a23-bb55-25bf6e0ff63f" providerId="AD" clId="Web-{AF750E8A-9AF4-BCDF-6A7F-614A0E0810EE}" dt="2024-11-12T18:37:26.080" v="52" actId="20577"/>
+        <pc:chgData name="Rendero, Dominic V" userId="S::dominic.rendero@uconn.edu::6d21d9c4-1e14-476c-8422-cfe29e02369b" providerId="AD" clId="Web-{389AD6E2-AFE2-69AC-561A-62F38484A6AA}" dt="2024-11-12T18:57:40.228" v="134" actId="20577"/>
         <pc:sldMkLst>
           <pc:docMk/>
-          <pc:sldMk cId="208975706" sldId="261"/>
+          <pc:sldMk cId="759631458" sldId="260"/>
         </pc:sldMkLst>
         <pc:spChg chg="mod">
-          <ac:chgData name="Corbett, Raen" userId="S::kilraen.corbett@uconn.edu::03a91695-fc09-4a23-bb55-25bf6e0ff63f" providerId="AD" clId="Web-{AF750E8A-9AF4-BCDF-6A7F-614A0E0810EE}" dt="2024-11-12T18:37:26.080" v="52" actId="20577"/>
+          <ac:chgData name="Rendero, Dominic V" userId="S::dominic.rendero@uconn.edu::6d21d9c4-1e14-476c-8422-cfe29e02369b" providerId="AD" clId="Web-{389AD6E2-AFE2-69AC-561A-62F38484A6AA}" dt="2024-11-12T18:57:40.228" v="134" actId="20577"/>
           <ac:spMkLst>
             <pc:docMk/>
-            <pc:sldMk cId="208975706" sldId="261"/>
-            <ac:spMk id="3" creationId="{569BF01D-2624-1CB1-4D56-04AB44CD5EC9}"/>
+            <pc:sldMk cId="759631458" sldId="260"/>
+            <ac:spMk id="3" creationId="{D9B020B8-69AA-FB95-638B-982C100C07B6}"/>
+          </ac:spMkLst>
+        </pc:spChg>
+      </pc:sldChg>
+    </pc:docChg>
+  </pc:docChgLst>
+  <pc:docChgLst>
+    <pc:chgData name="Jarvi, Rachel C" userId="S::rachel.jarvi@uconn.edu::5f94c26e-36bc-415b-abfb-1d0877c450ca" providerId="AD" clId="Web-{A40AAADB-FFBD-73DE-2636-FFAE3334516F}"/>
+    <pc:docChg chg="modSld">
+      <pc:chgData name="Jarvi, Rachel C" userId="S::rachel.jarvi@uconn.edu::5f94c26e-36bc-415b-abfb-1d0877c450ca" providerId="AD" clId="Web-{A40AAADB-FFBD-73DE-2636-FFAE3334516F}" dt="2024-11-17T00:31:47.037" v="134" actId="20577"/>
+      <pc:docMkLst>
+        <pc:docMk/>
+      </pc:docMkLst>
+      <pc:sldChg chg="modSp">
+        <pc:chgData name="Jarvi, Rachel C" userId="S::rachel.jarvi@uconn.edu::5f94c26e-36bc-415b-abfb-1d0877c450ca" providerId="AD" clId="Web-{A40AAADB-FFBD-73DE-2636-FFAE3334516F}" dt="2024-11-17T00:31:47.037" v="134" actId="20577"/>
+        <pc:sldMkLst>
+          <pc:docMk/>
+          <pc:sldMk cId="1919512088" sldId="258"/>
+        </pc:sldMkLst>
+        <pc:spChg chg="mod">
+          <ac:chgData name="Jarvi, Rachel C" userId="S::rachel.jarvi@uconn.edu::5f94c26e-36bc-415b-abfb-1d0877c450ca" providerId="AD" clId="Web-{A40AAADB-FFBD-73DE-2636-FFAE3334516F}" dt="2024-11-17T00:31:47.037" v="134" actId="20577"/>
+          <ac:spMkLst>
+            <pc:docMk/>
+            <pc:sldMk cId="1919512088" sldId="258"/>
+            <ac:spMk id="3" creationId="{D9B020B8-69AA-FB95-638B-982C100C07B6}"/>
+          </ac:spMkLst>
+        </pc:spChg>
+      </pc:sldChg>
+      <pc:sldChg chg="addSp modSp">
+        <pc:chgData name="Jarvi, Rachel C" userId="S::rachel.jarvi@uconn.edu::5f94c26e-36bc-415b-abfb-1d0877c450ca" providerId="AD" clId="Web-{A40AAADB-FFBD-73DE-2636-FFAE3334516F}" dt="2024-11-16T19:32:26.530" v="104" actId="1076"/>
+        <pc:sldMkLst>
+          <pc:docMk/>
+          <pc:sldMk cId="237981053" sldId="259"/>
+        </pc:sldMkLst>
+        <pc:spChg chg="mod">
+          <ac:chgData name="Jarvi, Rachel C" userId="S::rachel.jarvi@uconn.edu::5f94c26e-36bc-415b-abfb-1d0877c450ca" providerId="AD" clId="Web-{A40AAADB-FFBD-73DE-2636-FFAE3334516F}" dt="2024-11-16T19:32:00.685" v="99" actId="14100"/>
+          <ac:spMkLst>
+            <pc:docMk/>
+            <pc:sldMk cId="237981053" sldId="259"/>
+            <ac:spMk id="3" creationId="{D9B020B8-69AA-FB95-638B-982C100C07B6}"/>
+          </ac:spMkLst>
+        </pc:spChg>
+        <pc:spChg chg="add mod">
+          <ac:chgData name="Jarvi, Rachel C" userId="S::rachel.jarvi@uconn.edu::5f94c26e-36bc-415b-abfb-1d0877c450ca" providerId="AD" clId="Web-{A40AAADB-FFBD-73DE-2636-FFAE3334516F}" dt="2024-11-16T19:32:26.530" v="104" actId="1076"/>
+          <ac:spMkLst>
+            <pc:docMk/>
+            <pc:sldMk cId="237981053" sldId="259"/>
+            <ac:spMk id="9" creationId="{5A3888CF-D7D1-26B0-DF89-37D813BD4A13}"/>
+          </ac:spMkLst>
+        </pc:spChg>
+        <pc:picChg chg="mod">
+          <ac:chgData name="Jarvi, Rachel C" userId="S::rachel.jarvi@uconn.edu::5f94c26e-36bc-415b-abfb-1d0877c450ca" providerId="AD" clId="Web-{A40AAADB-FFBD-73DE-2636-FFAE3334516F}" dt="2024-11-16T16:05:43.483" v="43" actId="1076"/>
+          <ac:picMkLst>
+            <pc:docMk/>
+            <pc:sldMk cId="237981053" sldId="259"/>
+            <ac:picMk id="4" creationId="{2BA8F7B2-2FED-92D6-59F5-F8654AC0ABFA}"/>
+          </ac:picMkLst>
+        </pc:picChg>
+        <pc:picChg chg="mod">
+          <ac:chgData name="Jarvi, Rachel C" userId="S::rachel.jarvi@uconn.edu::5f94c26e-36bc-415b-abfb-1d0877c450ca" providerId="AD" clId="Web-{A40AAADB-FFBD-73DE-2636-FFAE3334516F}" dt="2024-11-16T16:05:43.483" v="44" actId="1076"/>
+          <ac:picMkLst>
+            <pc:docMk/>
+            <pc:sldMk cId="237981053" sldId="259"/>
+            <ac:picMk id="5" creationId="{EBFC7D84-250F-ABA3-BADC-A0F660618BDB}"/>
+          </ac:picMkLst>
+        </pc:picChg>
+        <pc:picChg chg="mod">
+          <ac:chgData name="Jarvi, Rachel C" userId="S::rachel.jarvi@uconn.edu::5f94c26e-36bc-415b-abfb-1d0877c450ca" providerId="AD" clId="Web-{A40AAADB-FFBD-73DE-2636-FFAE3334516F}" dt="2024-11-16T16:05:43.499" v="45" actId="1076"/>
+          <ac:picMkLst>
+            <pc:docMk/>
+            <pc:sldMk cId="237981053" sldId="259"/>
+            <ac:picMk id="6" creationId="{F7D16A4F-FB61-C4EE-AFC5-5104B28B6F17}"/>
+          </ac:picMkLst>
+        </pc:picChg>
+        <pc:picChg chg="mod">
+          <ac:chgData name="Jarvi, Rachel C" userId="S::rachel.jarvi@uconn.edu::5f94c26e-36bc-415b-abfb-1d0877c450ca" providerId="AD" clId="Web-{A40AAADB-FFBD-73DE-2636-FFAE3334516F}" dt="2024-11-16T19:32:10.592" v="100" actId="1076"/>
+          <ac:picMkLst>
+            <pc:docMk/>
+            <pc:sldMk cId="237981053" sldId="259"/>
+            <ac:picMk id="7" creationId="{35C35FEE-45B0-8D4A-9343-178839363DE9}"/>
+          </ac:picMkLst>
+        </pc:picChg>
+        <pc:picChg chg="mod">
+          <ac:chgData name="Jarvi, Rachel C" userId="S::rachel.jarvi@uconn.edu::5f94c26e-36bc-415b-abfb-1d0877c450ca" providerId="AD" clId="Web-{A40AAADB-FFBD-73DE-2636-FFAE3334516F}" dt="2024-11-16T19:32:10.607" v="101" actId="1076"/>
+          <ac:picMkLst>
+            <pc:docMk/>
+            <pc:sldMk cId="237981053" sldId="259"/>
+            <ac:picMk id="8" creationId="{0AC29C5A-ECF4-1A78-49C0-A25A9B2D39C2}"/>
+          </ac:picMkLst>
+        </pc:picChg>
+        <pc:picChg chg="mod">
+          <ac:chgData name="Jarvi, Rachel C" userId="S::rachel.jarvi@uconn.edu::5f94c26e-36bc-415b-abfb-1d0877c450ca" providerId="AD" clId="Web-{A40AAADB-FFBD-73DE-2636-FFAE3334516F}" dt="2024-11-16T19:32:10.623" v="102" actId="1076"/>
+          <ac:picMkLst>
+            <pc:docMk/>
+            <pc:sldMk cId="237981053" sldId="259"/>
+            <ac:picMk id="10" creationId="{51F3EC71-1EE5-7609-F8D0-62E8032828A0}"/>
+          </ac:picMkLst>
+        </pc:picChg>
+        <pc:picChg chg="mod">
+          <ac:chgData name="Jarvi, Rachel C" userId="S::rachel.jarvi@uconn.edu::5f94c26e-36bc-415b-abfb-1d0877c450ca" providerId="AD" clId="Web-{A40AAADB-FFBD-73DE-2636-FFAE3334516F}" dt="2024-11-16T19:32:10.623" v="103" actId="1076"/>
+          <ac:picMkLst>
+            <pc:docMk/>
+            <pc:sldMk cId="237981053" sldId="259"/>
+            <ac:picMk id="12" creationId="{1F33D2EA-CE61-D8E1-0F52-BA62B4D2D611}"/>
+          </ac:picMkLst>
+        </pc:picChg>
+      </pc:sldChg>
+      <pc:sldChg chg="modSp">
+        <pc:chgData name="Jarvi, Rachel C" userId="S::rachel.jarvi@uconn.edu::5f94c26e-36bc-415b-abfb-1d0877c450ca" providerId="AD" clId="Web-{A40AAADB-FFBD-73DE-2636-FFAE3334516F}" dt="2024-11-16T19:33:11.438" v="122" actId="20577"/>
+        <pc:sldMkLst>
+          <pc:docMk/>
+          <pc:sldMk cId="2985148850" sldId="268"/>
+        </pc:sldMkLst>
+        <pc:spChg chg="mod">
+          <ac:chgData name="Jarvi, Rachel C" userId="S::rachel.jarvi@uconn.edu::5f94c26e-36bc-415b-abfb-1d0877c450ca" providerId="AD" clId="Web-{A40AAADB-FFBD-73DE-2636-FFAE3334516F}" dt="2024-11-16T16:02:51.913" v="12" actId="1076"/>
+          <ac:spMkLst>
+            <pc:docMk/>
+            <pc:sldMk cId="2985148850" sldId="268"/>
+            <ac:spMk id="2" creationId="{6295BD48-0420-6F9B-DB8F-C4BEDD330B02}"/>
+          </ac:spMkLst>
+        </pc:spChg>
+        <pc:spChg chg="mod">
+          <ac:chgData name="Jarvi, Rachel C" userId="S::rachel.jarvi@uconn.edu::5f94c26e-36bc-415b-abfb-1d0877c450ca" providerId="AD" clId="Web-{A40AAADB-FFBD-73DE-2636-FFAE3334516F}" dt="2024-11-16T19:33:11.438" v="122" actId="20577"/>
+          <ac:spMkLst>
+            <pc:docMk/>
+            <pc:sldMk cId="2985148850" sldId="268"/>
+            <ac:spMk id="3" creationId="{69DC73C4-ED0B-7D63-FD7D-17E11DDB0D2B}"/>
           </ac:spMkLst>
         </pc:spChg>
       </pc:sldChg>
@@ -7217,7 +7231,7 @@
             </a:pPr>
             <a:r>
               <a:rPr lang="en-US"/>
-              <a:t>To reduce overhead on OS161, always use </a:t>
+              <a:t>Always use </a:t>
             </a:r>
             <a:r>
               <a:rPr lang="en-US" err="1"/>
